--- a/AutomatingMessagesInTeams.pptx
+++ b/AutomatingMessagesInTeams.pptx
@@ -6,10 +6,10 @@
     <p:sldMasterId id="2147483648" r:id="rId5"/>
   </p:sldMasterIdLst>
   <p:notesMasterIdLst>
-    <p:notesMasterId r:id="rId33"/>
+    <p:notesMasterId r:id="rId37"/>
   </p:notesMasterIdLst>
   <p:handoutMasterIdLst>
-    <p:handoutMasterId r:id="rId34"/>
+    <p:handoutMasterId r:id="rId38"/>
   </p:handoutMasterIdLst>
   <p:sldIdLst>
     <p:sldId id="257" r:id="rId6"/>
@@ -20,25 +20,29 @@
     <p:sldId id="274" r:id="rId11"/>
     <p:sldId id="267" r:id="rId12"/>
     <p:sldId id="281" r:id="rId13"/>
-    <p:sldId id="262" r:id="rId14"/>
-    <p:sldId id="263" r:id="rId15"/>
-    <p:sldId id="269" r:id="rId16"/>
-    <p:sldId id="282" r:id="rId17"/>
-    <p:sldId id="264" r:id="rId18"/>
-    <p:sldId id="270" r:id="rId19"/>
-    <p:sldId id="2022" r:id="rId20"/>
-    <p:sldId id="265" r:id="rId21"/>
-    <p:sldId id="283" r:id="rId22"/>
-    <p:sldId id="275" r:id="rId23"/>
-    <p:sldId id="276" r:id="rId24"/>
-    <p:sldId id="2023" r:id="rId25"/>
-    <p:sldId id="271" r:id="rId26"/>
-    <p:sldId id="284" r:id="rId27"/>
-    <p:sldId id="266" r:id="rId28"/>
-    <p:sldId id="2024" r:id="rId29"/>
-    <p:sldId id="286" r:id="rId30"/>
-    <p:sldId id="280" r:id="rId31"/>
-    <p:sldId id="277" r:id="rId32"/>
+    <p:sldId id="2025" r:id="rId14"/>
+    <p:sldId id="262" r:id="rId15"/>
+    <p:sldId id="263" r:id="rId16"/>
+    <p:sldId id="269" r:id="rId17"/>
+    <p:sldId id="282" r:id="rId18"/>
+    <p:sldId id="2026" r:id="rId19"/>
+    <p:sldId id="264" r:id="rId20"/>
+    <p:sldId id="270" r:id="rId21"/>
+    <p:sldId id="2022" r:id="rId22"/>
+    <p:sldId id="265" r:id="rId23"/>
+    <p:sldId id="283" r:id="rId24"/>
+    <p:sldId id="2027" r:id="rId25"/>
+    <p:sldId id="275" r:id="rId26"/>
+    <p:sldId id="276" r:id="rId27"/>
+    <p:sldId id="2023" r:id="rId28"/>
+    <p:sldId id="271" r:id="rId29"/>
+    <p:sldId id="284" r:id="rId30"/>
+    <p:sldId id="2028" r:id="rId31"/>
+    <p:sldId id="266" r:id="rId32"/>
+    <p:sldId id="2024" r:id="rId33"/>
+    <p:sldId id="286" r:id="rId34"/>
+    <p:sldId id="280" r:id="rId35"/>
+    <p:sldId id="277" r:id="rId36"/>
   </p:sldIdLst>
   <p:sldSz cx="12192000" cy="6858000"/>
   <p:notesSz cx="6858000" cy="9144000"/>
@@ -191,6 +195,7 @@
 <p1510:revInfo xmlns:a="http://schemas.openxmlformats.org/drawingml/2006/main" xmlns:r="http://schemas.openxmlformats.org/officeDocument/2006/relationships" xmlns:p1510="http://schemas.microsoft.com/office/powerpoint/2015/10/main">
   <p1510:revLst>
     <p1510:client id="{79EDA4FB-4AA6-4368-B70D-4670040AA6A9}" v="54" dt="2020-11-20T00:35:59.753"/>
+    <p1510:client id="{E64E38BF-2203-4B9A-8808-C4FE364E322C}" v="1" dt="2020-11-20T02:45:50.515"/>
   </p1510:revLst>
 </p1510:revInfo>
 </file>
@@ -199,11 +204,26 @@
 <pc:chgInfo xmlns:a="http://schemas.openxmlformats.org/drawingml/2006/main" xmlns:r="http://schemas.openxmlformats.org/officeDocument/2006/relationships" xmlns:ac="http://schemas.microsoft.com/office/drawing/2013/main/command" xmlns:pc="http://schemas.microsoft.com/office/powerpoint/2013/main/command">
   <pc:docChgLst>
     <pc:chgData name="Corey Buzzell" userId="6007a2dc-1580-43d1-bddd-cd0ec8a50ae7" providerId="ADAL" clId="{E64E38BF-2203-4B9A-8808-C4FE364E322C}"/>
-    <pc:docChg chg="custSel addSld delSld modSld sldOrd">
-      <pc:chgData name="Corey Buzzell" userId="6007a2dc-1580-43d1-bddd-cd0ec8a50ae7" providerId="ADAL" clId="{E64E38BF-2203-4B9A-8808-C4FE364E322C}" dt="2020-11-20T00:40:16.930" v="23" actId="14100"/>
+    <pc:docChg chg="undo custSel addSld delSld modSld sldOrd">
+      <pc:chgData name="Corey Buzzell" userId="6007a2dc-1580-43d1-bddd-cd0ec8a50ae7" providerId="ADAL" clId="{E64E38BF-2203-4B9A-8808-C4FE364E322C}" dt="2020-11-20T02:58:57.609" v="337" actId="113"/>
       <pc:docMkLst>
         <pc:docMk/>
       </pc:docMkLst>
+      <pc:sldChg chg="modSp mod">
+        <pc:chgData name="Corey Buzzell" userId="6007a2dc-1580-43d1-bddd-cd0ec8a50ae7" providerId="ADAL" clId="{E64E38BF-2203-4B9A-8808-C4FE364E322C}" dt="2020-11-20T02:58:18.460" v="325" actId="27636"/>
+        <pc:sldMkLst>
+          <pc:docMk/>
+          <pc:sldMk cId="3761299721" sldId="262"/>
+        </pc:sldMkLst>
+        <pc:spChg chg="mod">
+          <ac:chgData name="Corey Buzzell" userId="6007a2dc-1580-43d1-bddd-cd0ec8a50ae7" providerId="ADAL" clId="{E64E38BF-2203-4B9A-8808-C4FE364E322C}" dt="2020-11-20T02:58:18.460" v="325" actId="27636"/>
+          <ac:spMkLst>
+            <pc:docMk/>
+            <pc:sldMk cId="3761299721" sldId="262"/>
+            <ac:spMk id="3" creationId="{0EEDD486-565B-4D78-97DA-6A116C929705}"/>
+          </ac:spMkLst>
+        </pc:spChg>
+      </pc:sldChg>
       <pc:sldChg chg="addSp delSp modSp mod">
         <pc:chgData name="Corey Buzzell" userId="6007a2dc-1580-43d1-bddd-cd0ec8a50ae7" providerId="ADAL" clId="{E64E38BF-2203-4B9A-8808-C4FE364E322C}" dt="2020-11-20T00:39:37.912" v="16" actId="478"/>
         <pc:sldMkLst>
@@ -227,6 +247,113 @@
           </ac:spMkLst>
         </pc:spChg>
       </pc:sldChg>
+      <pc:sldChg chg="modSp mod">
+        <pc:chgData name="Corey Buzzell" userId="6007a2dc-1580-43d1-bddd-cd0ec8a50ae7" providerId="ADAL" clId="{E64E38BF-2203-4B9A-8808-C4FE364E322C}" dt="2020-11-20T02:57:02.214" v="312" actId="113"/>
+        <pc:sldMkLst>
+          <pc:docMk/>
+          <pc:sldMk cId="2164784429" sldId="264"/>
+        </pc:sldMkLst>
+        <pc:spChg chg="mod">
+          <ac:chgData name="Corey Buzzell" userId="6007a2dc-1580-43d1-bddd-cd0ec8a50ae7" providerId="ADAL" clId="{E64E38BF-2203-4B9A-8808-C4FE364E322C}" dt="2020-11-20T02:57:02.214" v="312" actId="113"/>
+          <ac:spMkLst>
+            <pc:docMk/>
+            <pc:sldMk cId="2164784429" sldId="264"/>
+            <ac:spMk id="3" creationId="{4274251A-B853-4326-86B7-145FD0BB646A}"/>
+          </ac:spMkLst>
+        </pc:spChg>
+      </pc:sldChg>
+      <pc:sldChg chg="addSp delSp modSp mod">
+        <pc:chgData name="Corey Buzzell" userId="6007a2dc-1580-43d1-bddd-cd0ec8a50ae7" providerId="ADAL" clId="{E64E38BF-2203-4B9A-8808-C4FE364E322C}" dt="2020-11-20T02:40:53.478" v="45" actId="1076"/>
+        <pc:sldMkLst>
+          <pc:docMk/>
+          <pc:sldMk cId="3525934167" sldId="265"/>
+        </pc:sldMkLst>
+        <pc:picChg chg="add mod">
+          <ac:chgData name="Corey Buzzell" userId="6007a2dc-1580-43d1-bddd-cd0ec8a50ae7" providerId="ADAL" clId="{E64E38BF-2203-4B9A-8808-C4FE364E322C}" dt="2020-11-20T02:40:53.478" v="45" actId="1076"/>
+          <ac:picMkLst>
+            <pc:docMk/>
+            <pc:sldMk cId="3525934167" sldId="265"/>
+            <ac:picMk id="3" creationId="{AAD750B4-92B7-49BA-B3C1-6C04FA2E34BF}"/>
+          </ac:picMkLst>
+        </pc:picChg>
+        <pc:picChg chg="del">
+          <ac:chgData name="Corey Buzzell" userId="6007a2dc-1580-43d1-bddd-cd0ec8a50ae7" providerId="ADAL" clId="{E64E38BF-2203-4B9A-8808-C4FE364E322C}" dt="2020-11-20T02:40:48.758" v="44" actId="478"/>
+          <ac:picMkLst>
+            <pc:docMk/>
+            <pc:sldMk cId="3525934167" sldId="265"/>
+            <ac:picMk id="4" creationId="{000AA5AB-2159-40C2-95D3-610E1564E1F9}"/>
+          </ac:picMkLst>
+        </pc:picChg>
+      </pc:sldChg>
+      <pc:sldChg chg="modSp mod">
+        <pc:chgData name="Corey Buzzell" userId="6007a2dc-1580-43d1-bddd-cd0ec8a50ae7" providerId="ADAL" clId="{E64E38BF-2203-4B9A-8808-C4FE364E322C}" dt="2020-11-20T02:58:57.609" v="337" actId="113"/>
+        <pc:sldMkLst>
+          <pc:docMk/>
+          <pc:sldMk cId="3690655520" sldId="266"/>
+        </pc:sldMkLst>
+        <pc:spChg chg="mod">
+          <ac:chgData name="Corey Buzzell" userId="6007a2dc-1580-43d1-bddd-cd0ec8a50ae7" providerId="ADAL" clId="{E64E38BF-2203-4B9A-8808-C4FE364E322C}" dt="2020-11-20T02:58:57.609" v="337" actId="113"/>
+          <ac:spMkLst>
+            <pc:docMk/>
+            <pc:sldMk cId="3690655520" sldId="266"/>
+            <ac:spMk id="3" creationId="{EB6B1932-C591-4E7B-9D52-F6C4B01E6A49}"/>
+          </ac:spMkLst>
+        </pc:spChg>
+      </pc:sldChg>
+      <pc:sldChg chg="addSp delSp modSp mod">
+        <pc:chgData name="Corey Buzzell" userId="6007a2dc-1580-43d1-bddd-cd0ec8a50ae7" providerId="ADAL" clId="{E64E38BF-2203-4B9A-8808-C4FE364E322C}" dt="2020-11-20T02:57:47.261" v="321" actId="113"/>
+        <pc:sldMkLst>
+          <pc:docMk/>
+          <pc:sldMk cId="2516033973" sldId="275"/>
+        </pc:sldMkLst>
+        <pc:spChg chg="mod">
+          <ac:chgData name="Corey Buzzell" userId="6007a2dc-1580-43d1-bddd-cd0ec8a50ae7" providerId="ADAL" clId="{E64E38BF-2203-4B9A-8808-C4FE364E322C}" dt="2020-11-20T02:57:47.261" v="321" actId="113"/>
+          <ac:spMkLst>
+            <pc:docMk/>
+            <pc:sldMk cId="2516033973" sldId="275"/>
+            <ac:spMk id="3" creationId="{DEFD20A6-F9A3-4B7D-911B-6167475109E3}"/>
+          </ac:spMkLst>
+        </pc:spChg>
+        <pc:picChg chg="add">
+          <ac:chgData name="Corey Buzzell" userId="6007a2dc-1580-43d1-bddd-cd0ec8a50ae7" providerId="ADAL" clId="{E64E38BF-2203-4B9A-8808-C4FE364E322C}" dt="2020-11-20T02:41:06.646" v="49" actId="22"/>
+          <ac:picMkLst>
+            <pc:docMk/>
+            <pc:sldMk cId="2516033973" sldId="275"/>
+            <ac:picMk id="4" creationId="{6D96D134-D8D3-42C9-BFCD-907D63AB1D58}"/>
+          </ac:picMkLst>
+        </pc:picChg>
+        <pc:picChg chg="del">
+          <ac:chgData name="Corey Buzzell" userId="6007a2dc-1580-43d1-bddd-cd0ec8a50ae7" providerId="ADAL" clId="{E64E38BF-2203-4B9A-8808-C4FE364E322C}" dt="2020-11-20T02:41:06.391" v="48" actId="478"/>
+          <ac:picMkLst>
+            <pc:docMk/>
+            <pc:sldMk cId="2516033973" sldId="275"/>
+            <ac:picMk id="5" creationId="{D38449D4-4C27-4523-B165-C05E75707056}"/>
+          </ac:picMkLst>
+        </pc:picChg>
+      </pc:sldChg>
+      <pc:sldChg chg="addSp delSp mod">
+        <pc:chgData name="Corey Buzzell" userId="6007a2dc-1580-43d1-bddd-cd0ec8a50ae7" providerId="ADAL" clId="{E64E38BF-2203-4B9A-8808-C4FE364E322C}" dt="2020-11-20T02:41:11.023" v="51" actId="22"/>
+        <pc:sldMkLst>
+          <pc:docMk/>
+          <pc:sldMk cId="1807369062" sldId="276"/>
+        </pc:sldMkLst>
+        <pc:picChg chg="del">
+          <ac:chgData name="Corey Buzzell" userId="6007a2dc-1580-43d1-bddd-cd0ec8a50ae7" providerId="ADAL" clId="{E64E38BF-2203-4B9A-8808-C4FE364E322C}" dt="2020-11-20T02:41:10.776" v="50" actId="478"/>
+          <ac:picMkLst>
+            <pc:docMk/>
+            <pc:sldMk cId="1807369062" sldId="276"/>
+            <ac:picMk id="3" creationId="{50F737BB-C11D-48C3-84F8-420BD529BE49}"/>
+          </ac:picMkLst>
+        </pc:picChg>
+        <pc:picChg chg="add">
+          <ac:chgData name="Corey Buzzell" userId="6007a2dc-1580-43d1-bddd-cd0ec8a50ae7" providerId="ADAL" clId="{E64E38BF-2203-4B9A-8808-C4FE364E322C}" dt="2020-11-20T02:41:11.023" v="51" actId="22"/>
+          <ac:picMkLst>
+            <pc:docMk/>
+            <pc:sldMk cId="1807369062" sldId="276"/>
+            <ac:picMk id="4" creationId="{EE327F4E-1016-446D-A225-232740551318}"/>
+          </ac:picMkLst>
+        </pc:picChg>
+      </pc:sldChg>
       <pc:sldChg chg="del">
         <pc:chgData name="Corey Buzzell" userId="6007a2dc-1580-43d1-bddd-cd0ec8a50ae7" providerId="ADAL" clId="{E64E38BF-2203-4B9A-8808-C4FE364E322C}" dt="2020-11-20T00:38:29.537" v="3" actId="47"/>
         <pc:sldMkLst>
@@ -240,6 +367,90 @@
           <pc:docMk/>
           <pc:sldMk cId="594332717" sldId="279"/>
         </pc:sldMkLst>
+      </pc:sldChg>
+      <pc:sldChg chg="addSp delSp mod">
+        <pc:chgData name="Corey Buzzell" userId="6007a2dc-1580-43d1-bddd-cd0ec8a50ae7" providerId="ADAL" clId="{E64E38BF-2203-4B9A-8808-C4FE364E322C}" dt="2020-11-20T02:41:02.721" v="47" actId="22"/>
+        <pc:sldMkLst>
+          <pc:docMk/>
+          <pc:sldMk cId="3630477532" sldId="283"/>
+        </pc:sldMkLst>
+        <pc:picChg chg="add">
+          <ac:chgData name="Corey Buzzell" userId="6007a2dc-1580-43d1-bddd-cd0ec8a50ae7" providerId="ADAL" clId="{E64E38BF-2203-4B9A-8808-C4FE364E322C}" dt="2020-11-20T02:41:02.721" v="47" actId="22"/>
+          <ac:picMkLst>
+            <pc:docMk/>
+            <pc:sldMk cId="3630477532" sldId="283"/>
+            <ac:picMk id="3" creationId="{09998DDD-F03B-4DB2-B5B1-767355FB77F8}"/>
+          </ac:picMkLst>
+        </pc:picChg>
+        <pc:picChg chg="del">
+          <ac:chgData name="Corey Buzzell" userId="6007a2dc-1580-43d1-bddd-cd0ec8a50ae7" providerId="ADAL" clId="{E64E38BF-2203-4B9A-8808-C4FE364E322C}" dt="2020-11-20T02:41:02.470" v="46" actId="478"/>
+          <ac:picMkLst>
+            <pc:docMk/>
+            <pc:sldMk cId="3630477532" sldId="283"/>
+            <ac:picMk id="6" creationId="{2826884A-F57B-421E-A222-8A5E25F93BA3}"/>
+          </ac:picMkLst>
+        </pc:picChg>
+      </pc:sldChg>
+      <pc:sldChg chg="addSp delSp modSp mod">
+        <pc:chgData name="Corey Buzzell" userId="6007a2dc-1580-43d1-bddd-cd0ec8a50ae7" providerId="ADAL" clId="{E64E38BF-2203-4B9A-8808-C4FE364E322C}" dt="2020-11-20T02:42:44.057" v="78" actId="1076"/>
+        <pc:sldMkLst>
+          <pc:docMk/>
+          <pc:sldMk cId="684356218" sldId="286"/>
+        </pc:sldMkLst>
+        <pc:picChg chg="add mod">
+          <ac:chgData name="Corey Buzzell" userId="6007a2dc-1580-43d1-bddd-cd0ec8a50ae7" providerId="ADAL" clId="{E64E38BF-2203-4B9A-8808-C4FE364E322C}" dt="2020-11-20T02:42:44.057" v="78" actId="1076"/>
+          <ac:picMkLst>
+            <pc:docMk/>
+            <pc:sldMk cId="684356218" sldId="286"/>
+            <ac:picMk id="6" creationId="{E1965909-2F90-42A4-91C6-CAD35D2AC9A8}"/>
+          </ac:picMkLst>
+        </pc:picChg>
+        <pc:picChg chg="del">
+          <ac:chgData name="Corey Buzzell" userId="6007a2dc-1580-43d1-bddd-cd0ec8a50ae7" providerId="ADAL" clId="{E64E38BF-2203-4B9A-8808-C4FE364E322C}" dt="2020-11-20T02:42:28.223" v="75" actId="478"/>
+          <ac:picMkLst>
+            <pc:docMk/>
+            <pc:sldMk cId="684356218" sldId="286"/>
+            <ac:picMk id="15" creationId="{5F51DEB6-B26F-4C6A-87D1-1AFD48875215}"/>
+          </ac:picMkLst>
+        </pc:picChg>
+      </pc:sldChg>
+      <pc:sldChg chg="modSp mod">
+        <pc:chgData name="Corey Buzzell" userId="6007a2dc-1580-43d1-bddd-cd0ec8a50ae7" providerId="ADAL" clId="{E64E38BF-2203-4B9A-8808-C4FE364E322C}" dt="2020-11-20T02:45:36.697" v="84" actId="20577"/>
+        <pc:sldMkLst>
+          <pc:docMk/>
+          <pc:sldMk cId="1149133041" sldId="2020"/>
+        </pc:sldMkLst>
+        <pc:spChg chg="mod">
+          <ac:chgData name="Corey Buzzell" userId="6007a2dc-1580-43d1-bddd-cd0ec8a50ae7" providerId="ADAL" clId="{E64E38BF-2203-4B9A-8808-C4FE364E322C}" dt="2020-11-20T02:45:36.697" v="84" actId="20577"/>
+          <ac:spMkLst>
+            <pc:docMk/>
+            <pc:sldMk cId="1149133041" sldId="2020"/>
+            <ac:spMk id="2" creationId="{4668E674-B766-40DD-99D4-13AC03D07220}"/>
+          </ac:spMkLst>
+        </pc:spChg>
+      </pc:sldChg>
+      <pc:sldChg chg="addSp delSp modSp mod">
+        <pc:chgData name="Corey Buzzell" userId="6007a2dc-1580-43d1-bddd-cd0ec8a50ae7" providerId="ADAL" clId="{E64E38BF-2203-4B9A-8808-C4FE364E322C}" dt="2020-11-20T02:40:07.874" v="41" actId="478"/>
+        <pc:sldMkLst>
+          <pc:docMk/>
+          <pc:sldMk cId="1729594044" sldId="2021"/>
+        </pc:sldMkLst>
+        <pc:picChg chg="mod">
+          <ac:chgData name="Corey Buzzell" userId="6007a2dc-1580-43d1-bddd-cd0ec8a50ae7" providerId="ADAL" clId="{E64E38BF-2203-4B9A-8808-C4FE364E322C}" dt="2020-11-20T02:39:23.828" v="29" actId="688"/>
+          <ac:picMkLst>
+            <pc:docMk/>
+            <pc:sldMk cId="1729594044" sldId="2021"/>
+            <ac:picMk id="13" creationId="{466B8F55-BE31-4A2F-A9ED-31673CF3170D}"/>
+          </ac:picMkLst>
+        </pc:picChg>
+        <pc:cxnChg chg="add del mod">
+          <ac:chgData name="Corey Buzzell" userId="6007a2dc-1580-43d1-bddd-cd0ec8a50ae7" providerId="ADAL" clId="{E64E38BF-2203-4B9A-8808-C4FE364E322C}" dt="2020-11-20T02:40:07.874" v="41" actId="478"/>
+          <ac:cxnSpMkLst>
+            <pc:docMk/>
+            <pc:sldMk cId="1729594044" sldId="2021"/>
+            <ac:cxnSpMk id="7" creationId="{04C29CB9-0BDB-4F7F-B652-B7A7D60AACE6}"/>
+          </ac:cxnSpMkLst>
+        </pc:cxnChg>
       </pc:sldChg>
       <pc:sldChg chg="addSp modSp add mod ord">
         <pc:chgData name="Corey Buzzell" userId="6007a2dc-1580-43d1-bddd-cd0ec8a50ae7" providerId="ADAL" clId="{E64E38BF-2203-4B9A-8808-C4FE364E322C}" dt="2020-11-20T00:39:56.919" v="19" actId="20577"/>
@@ -264,8 +475,8 @@
           </ac:spMkLst>
         </pc:spChg>
       </pc:sldChg>
-      <pc:sldChg chg="addSp modSp add mod">
-        <pc:chgData name="Corey Buzzell" userId="6007a2dc-1580-43d1-bddd-cd0ec8a50ae7" providerId="ADAL" clId="{E64E38BF-2203-4B9A-8808-C4FE364E322C}" dt="2020-11-20T00:40:16.930" v="23" actId="14100"/>
+      <pc:sldChg chg="addSp delSp modSp add mod">
+        <pc:chgData name="Corey Buzzell" userId="6007a2dc-1580-43d1-bddd-cd0ec8a50ae7" providerId="ADAL" clId="{E64E38BF-2203-4B9A-8808-C4FE364E322C}" dt="2020-11-20T02:42:12.130" v="72" actId="478"/>
         <pc:sldMkLst>
           <pc:docMk/>
           <pc:sldMk cId="2183529513" sldId="2023"/>
@@ -286,13 +497,217 @@
             <ac:spMk id="17" creationId="{B90DC0EE-8B8F-4D0B-8643-BF3BEC16E79D}"/>
           </ac:spMkLst>
         </pc:spChg>
+        <pc:picChg chg="add mod">
+          <ac:chgData name="Corey Buzzell" userId="6007a2dc-1580-43d1-bddd-cd0ec8a50ae7" providerId="ADAL" clId="{E64E38BF-2203-4B9A-8808-C4FE364E322C}" dt="2020-11-20T02:42:07.727" v="71" actId="688"/>
+          <ac:picMkLst>
+            <pc:docMk/>
+            <pc:sldMk cId="2183529513" sldId="2023"/>
+            <ac:picMk id="3" creationId="{E28552A1-560C-465A-BF70-08983CEDD756}"/>
+          </ac:picMkLst>
+        </pc:picChg>
+        <pc:picChg chg="del mod">
+          <ac:chgData name="Corey Buzzell" userId="6007a2dc-1580-43d1-bddd-cd0ec8a50ae7" providerId="ADAL" clId="{E64E38BF-2203-4B9A-8808-C4FE364E322C}" dt="2020-11-20T02:41:24.592" v="54" actId="478"/>
+          <ac:picMkLst>
+            <pc:docMk/>
+            <pc:sldMk cId="2183529513" sldId="2023"/>
+            <ac:picMk id="27" creationId="{2CE91773-6975-46BA-9D22-92167EE1C30B}"/>
+          </ac:picMkLst>
+        </pc:picChg>
+        <pc:cxnChg chg="add del mod">
+          <ac:chgData name="Corey Buzzell" userId="6007a2dc-1580-43d1-bddd-cd0ec8a50ae7" providerId="ADAL" clId="{E64E38BF-2203-4B9A-8808-C4FE364E322C}" dt="2020-11-20T02:42:12.130" v="72" actId="478"/>
+          <ac:cxnSpMkLst>
+            <pc:docMk/>
+            <pc:sldMk cId="2183529513" sldId="2023"/>
+            <ac:cxnSpMk id="6" creationId="{4225B694-8453-4885-877F-290B6B415664}"/>
+          </ac:cxnSpMkLst>
+        </pc:cxnChg>
       </pc:sldChg>
-      <pc:sldChg chg="add">
-        <pc:chgData name="Corey Buzzell" userId="6007a2dc-1580-43d1-bddd-cd0ec8a50ae7" providerId="ADAL" clId="{E64E38BF-2203-4B9A-8808-C4FE364E322C}" dt="2020-11-20T00:38:43.346" v="6" actId="22"/>
+      <pc:sldChg chg="addSp delSp modSp add mod">
+        <pc:chgData name="Corey Buzzell" userId="6007a2dc-1580-43d1-bddd-cd0ec8a50ae7" providerId="ADAL" clId="{E64E38BF-2203-4B9A-8808-C4FE364E322C}" dt="2020-11-20T02:50:30.698" v="255" actId="1036"/>
         <pc:sldMkLst>
           <pc:docMk/>
           <pc:sldMk cId="3886038909" sldId="2024"/>
         </pc:sldMkLst>
+        <pc:spChg chg="mod">
+          <ac:chgData name="Corey Buzzell" userId="6007a2dc-1580-43d1-bddd-cd0ec8a50ae7" providerId="ADAL" clId="{E64E38BF-2203-4B9A-8808-C4FE364E322C}" dt="2020-11-20T02:50:30.698" v="255" actId="1036"/>
+          <ac:spMkLst>
+            <pc:docMk/>
+            <pc:sldMk cId="3886038909" sldId="2024"/>
+            <ac:spMk id="17" creationId="{B90DC0EE-8B8F-4D0B-8643-BF3BEC16E79D}"/>
+          </ac:spMkLst>
+        </pc:spChg>
+        <pc:graphicFrameChg chg="mod modGraphic">
+          <ac:chgData name="Corey Buzzell" userId="6007a2dc-1580-43d1-bddd-cd0ec8a50ae7" providerId="ADAL" clId="{E64E38BF-2203-4B9A-8808-C4FE364E322C}" dt="2020-11-20T02:50:30.698" v="255" actId="1036"/>
+          <ac:graphicFrameMkLst>
+            <pc:docMk/>
+            <pc:sldMk cId="3886038909" sldId="2024"/>
+            <ac:graphicFrameMk id="4" creationId="{DC472B24-9D05-4C6B-8520-69C123AD0DC2}"/>
+          </ac:graphicFrameMkLst>
+        </pc:graphicFrameChg>
+        <pc:picChg chg="add mod">
+          <ac:chgData name="Corey Buzzell" userId="6007a2dc-1580-43d1-bddd-cd0ec8a50ae7" providerId="ADAL" clId="{E64E38BF-2203-4B9A-8808-C4FE364E322C}" dt="2020-11-20T02:50:30.698" v="255" actId="1036"/>
+          <ac:picMkLst>
+            <pc:docMk/>
+            <pc:sldMk cId="3886038909" sldId="2024"/>
+            <ac:picMk id="2" creationId="{33045E58-9AF7-4F5B-9BE8-541E6216F728}"/>
+          </ac:picMkLst>
+        </pc:picChg>
+        <pc:picChg chg="mod">
+          <ac:chgData name="Corey Buzzell" userId="6007a2dc-1580-43d1-bddd-cd0ec8a50ae7" providerId="ADAL" clId="{E64E38BF-2203-4B9A-8808-C4FE364E322C}" dt="2020-11-20T02:50:30.698" v="255" actId="1036"/>
+          <ac:picMkLst>
+            <pc:docMk/>
+            <pc:sldMk cId="3886038909" sldId="2024"/>
+            <ac:picMk id="21" creationId="{B8BF2A78-6BA0-4979-8733-BC164B05F3A2}"/>
+          </ac:picMkLst>
+        </pc:picChg>
+        <pc:picChg chg="mod">
+          <ac:chgData name="Corey Buzzell" userId="6007a2dc-1580-43d1-bddd-cd0ec8a50ae7" providerId="ADAL" clId="{E64E38BF-2203-4B9A-8808-C4FE364E322C}" dt="2020-11-20T02:50:30.698" v="255" actId="1036"/>
+          <ac:picMkLst>
+            <pc:docMk/>
+            <pc:sldMk cId="3886038909" sldId="2024"/>
+            <ac:picMk id="23" creationId="{509836E1-C06A-4682-8A39-C9B416F4EBA0}"/>
+          </ac:picMkLst>
+        </pc:picChg>
+        <pc:picChg chg="mod">
+          <ac:chgData name="Corey Buzzell" userId="6007a2dc-1580-43d1-bddd-cd0ec8a50ae7" providerId="ADAL" clId="{E64E38BF-2203-4B9A-8808-C4FE364E322C}" dt="2020-11-20T02:50:30.698" v="255" actId="1036"/>
+          <ac:picMkLst>
+            <pc:docMk/>
+            <pc:sldMk cId="3886038909" sldId="2024"/>
+            <ac:picMk id="25" creationId="{C72FF9D4-554C-42F0-8BD0-0D67DBBBCCFA}"/>
+          </ac:picMkLst>
+        </pc:picChg>
+        <pc:picChg chg="del">
+          <ac:chgData name="Corey Buzzell" userId="6007a2dc-1580-43d1-bddd-cd0ec8a50ae7" providerId="ADAL" clId="{E64E38BF-2203-4B9A-8808-C4FE364E322C}" dt="2020-11-20T02:42:18.116" v="73" actId="478"/>
+          <ac:picMkLst>
+            <pc:docMk/>
+            <pc:sldMk cId="3886038909" sldId="2024"/>
+            <ac:picMk id="27" creationId="{2CE91773-6975-46BA-9D22-92167EE1C30B}"/>
+          </ac:picMkLst>
+        </pc:picChg>
+      </pc:sldChg>
+      <pc:sldChg chg="addSp delSp modSp new mod">
+        <pc:chgData name="Corey Buzzell" userId="6007a2dc-1580-43d1-bddd-cd0ec8a50ae7" providerId="ADAL" clId="{E64E38BF-2203-4B9A-8808-C4FE364E322C}" dt="2020-11-20T02:48:20.348" v="110" actId="22"/>
+        <pc:sldMkLst>
+          <pc:docMk/>
+          <pc:sldMk cId="2272927060" sldId="2025"/>
+        </pc:sldMkLst>
+        <pc:spChg chg="mod">
+          <ac:chgData name="Corey Buzzell" userId="6007a2dc-1580-43d1-bddd-cd0ec8a50ae7" providerId="ADAL" clId="{E64E38BF-2203-4B9A-8808-C4FE364E322C}" dt="2020-11-20T02:48:01.376" v="89" actId="20577"/>
+          <ac:spMkLst>
+            <pc:docMk/>
+            <pc:sldMk cId="2272927060" sldId="2025"/>
+            <ac:spMk id="2" creationId="{A0767EC5-8A1C-43CF-A06B-5E5200F6FB88}"/>
+          </ac:spMkLst>
+        </pc:spChg>
+        <pc:spChg chg="add del mod">
+          <ac:chgData name="Corey Buzzell" userId="6007a2dc-1580-43d1-bddd-cd0ec8a50ae7" providerId="ADAL" clId="{E64E38BF-2203-4B9A-8808-C4FE364E322C}" dt="2020-11-20T02:48:13.004" v="109" actId="20577"/>
+          <ac:spMkLst>
+            <pc:docMk/>
+            <pc:sldMk cId="2272927060" sldId="2025"/>
+            <ac:spMk id="3" creationId="{5FAC280D-013B-41D4-933B-6CA5720E6AC5}"/>
+          </ac:spMkLst>
+        </pc:spChg>
+        <pc:picChg chg="add">
+          <ac:chgData name="Corey Buzzell" userId="6007a2dc-1580-43d1-bddd-cd0ec8a50ae7" providerId="ADAL" clId="{E64E38BF-2203-4B9A-8808-C4FE364E322C}" dt="2020-11-20T02:48:20.348" v="110" actId="22"/>
+          <ac:picMkLst>
+            <pc:docMk/>
+            <pc:sldMk cId="2272927060" sldId="2025"/>
+            <ac:picMk id="5" creationId="{25F37018-2FD1-4C38-A2D5-37EAB52760A3}"/>
+          </ac:picMkLst>
+        </pc:picChg>
+      </pc:sldChg>
+      <pc:sldChg chg="addSp delSp modSp add mod">
+        <pc:chgData name="Corey Buzzell" userId="6007a2dc-1580-43d1-bddd-cd0ec8a50ae7" providerId="ADAL" clId="{E64E38BF-2203-4B9A-8808-C4FE364E322C}" dt="2020-11-20T02:48:42.154" v="155" actId="22"/>
+        <pc:sldMkLst>
+          <pc:docMk/>
+          <pc:sldMk cId="2434391319" sldId="2026"/>
+        </pc:sldMkLst>
+        <pc:spChg chg="mod">
+          <ac:chgData name="Corey Buzzell" userId="6007a2dc-1580-43d1-bddd-cd0ec8a50ae7" providerId="ADAL" clId="{E64E38BF-2203-4B9A-8808-C4FE364E322C}" dt="2020-11-20T02:48:36.579" v="153" actId="20577"/>
+          <ac:spMkLst>
+            <pc:docMk/>
+            <pc:sldMk cId="2434391319" sldId="2026"/>
+            <ac:spMk id="3" creationId="{5FAC280D-013B-41D4-933B-6CA5720E6AC5}"/>
+          </ac:spMkLst>
+        </pc:spChg>
+        <pc:picChg chg="add">
+          <ac:chgData name="Corey Buzzell" userId="6007a2dc-1580-43d1-bddd-cd0ec8a50ae7" providerId="ADAL" clId="{E64E38BF-2203-4B9A-8808-C4FE364E322C}" dt="2020-11-20T02:48:42.154" v="155" actId="22"/>
+          <ac:picMkLst>
+            <pc:docMk/>
+            <pc:sldMk cId="2434391319" sldId="2026"/>
+            <ac:picMk id="4" creationId="{078C1770-0643-47C1-A57C-F669CB5A6047}"/>
+          </ac:picMkLst>
+        </pc:picChg>
+        <pc:picChg chg="del">
+          <ac:chgData name="Corey Buzzell" userId="6007a2dc-1580-43d1-bddd-cd0ec8a50ae7" providerId="ADAL" clId="{E64E38BF-2203-4B9A-8808-C4FE364E322C}" dt="2020-11-20T02:48:41.892" v="154" actId="478"/>
+          <ac:picMkLst>
+            <pc:docMk/>
+            <pc:sldMk cId="2434391319" sldId="2026"/>
+            <ac:picMk id="5" creationId="{25F37018-2FD1-4C38-A2D5-37EAB52760A3}"/>
+          </ac:picMkLst>
+        </pc:picChg>
+      </pc:sldChg>
+      <pc:sldChg chg="addSp delSp modSp add mod">
+        <pc:chgData name="Corey Buzzell" userId="6007a2dc-1580-43d1-bddd-cd0ec8a50ae7" providerId="ADAL" clId="{E64E38BF-2203-4B9A-8808-C4FE364E322C}" dt="2020-11-20T02:49:01.136" v="163" actId="20577"/>
+        <pc:sldMkLst>
+          <pc:docMk/>
+          <pc:sldMk cId="1999991331" sldId="2027"/>
+        </pc:sldMkLst>
+        <pc:spChg chg="mod">
+          <ac:chgData name="Corey Buzzell" userId="6007a2dc-1580-43d1-bddd-cd0ec8a50ae7" providerId="ADAL" clId="{E64E38BF-2203-4B9A-8808-C4FE364E322C}" dt="2020-11-20T02:49:01.136" v="163" actId="20577"/>
+          <ac:spMkLst>
+            <pc:docMk/>
+            <pc:sldMk cId="1999991331" sldId="2027"/>
+            <ac:spMk id="3" creationId="{5FAC280D-013B-41D4-933B-6CA5720E6AC5}"/>
+          </ac:spMkLst>
+        </pc:spChg>
+        <pc:picChg chg="del">
+          <ac:chgData name="Corey Buzzell" userId="6007a2dc-1580-43d1-bddd-cd0ec8a50ae7" providerId="ADAL" clId="{E64E38BF-2203-4B9A-8808-C4FE364E322C}" dt="2020-11-20T02:48:54.390" v="157" actId="478"/>
+          <ac:picMkLst>
+            <pc:docMk/>
+            <pc:sldMk cId="1999991331" sldId="2027"/>
+            <ac:picMk id="4" creationId="{078C1770-0643-47C1-A57C-F669CB5A6047}"/>
+          </ac:picMkLst>
+        </pc:picChg>
+        <pc:picChg chg="add">
+          <ac:chgData name="Corey Buzzell" userId="6007a2dc-1580-43d1-bddd-cd0ec8a50ae7" providerId="ADAL" clId="{E64E38BF-2203-4B9A-8808-C4FE364E322C}" dt="2020-11-20T02:48:54.961" v="158" actId="22"/>
+          <ac:picMkLst>
+            <pc:docMk/>
+            <pc:sldMk cId="1999991331" sldId="2027"/>
+            <ac:picMk id="6" creationId="{1D0BBE46-E745-4908-B7F3-A0571B7230C1}"/>
+          </ac:picMkLst>
+        </pc:picChg>
+      </pc:sldChg>
+      <pc:sldChg chg="addSp delSp modSp add mod">
+        <pc:chgData name="Corey Buzzell" userId="6007a2dc-1580-43d1-bddd-cd0ec8a50ae7" providerId="ADAL" clId="{E64E38BF-2203-4B9A-8808-C4FE364E322C}" dt="2020-11-20T02:49:21.148" v="172" actId="22"/>
+        <pc:sldMkLst>
+          <pc:docMk/>
+          <pc:sldMk cId="3135904230" sldId="2028"/>
+        </pc:sldMkLst>
+        <pc:spChg chg="mod">
+          <ac:chgData name="Corey Buzzell" userId="6007a2dc-1580-43d1-bddd-cd0ec8a50ae7" providerId="ADAL" clId="{E64E38BF-2203-4B9A-8808-C4FE364E322C}" dt="2020-11-20T02:49:14.501" v="170" actId="20577"/>
+          <ac:spMkLst>
+            <pc:docMk/>
+            <pc:sldMk cId="3135904230" sldId="2028"/>
+            <ac:spMk id="3" creationId="{5FAC280D-013B-41D4-933B-6CA5720E6AC5}"/>
+          </ac:spMkLst>
+        </pc:spChg>
+        <pc:picChg chg="add">
+          <ac:chgData name="Corey Buzzell" userId="6007a2dc-1580-43d1-bddd-cd0ec8a50ae7" providerId="ADAL" clId="{E64E38BF-2203-4B9A-8808-C4FE364E322C}" dt="2020-11-20T02:49:21.148" v="172" actId="22"/>
+          <ac:picMkLst>
+            <pc:docMk/>
+            <pc:sldMk cId="3135904230" sldId="2028"/>
+            <ac:picMk id="4" creationId="{8CF5DF6E-157F-4693-8AC9-A377B662132D}"/>
+          </ac:picMkLst>
+        </pc:picChg>
+        <pc:picChg chg="del">
+          <ac:chgData name="Corey Buzzell" userId="6007a2dc-1580-43d1-bddd-cd0ec8a50ae7" providerId="ADAL" clId="{E64E38BF-2203-4B9A-8808-C4FE364E322C}" dt="2020-11-20T02:49:20.860" v="171" actId="478"/>
+          <ac:picMkLst>
+            <pc:docMk/>
+            <pc:sldMk cId="3135904230" sldId="2028"/>
+            <ac:picMk id="6" creationId="{1D0BBE46-E745-4908-B7F3-A0571B7230C1}"/>
+          </ac:picMkLst>
+        </pc:picChg>
       </pc:sldChg>
     </pc:docChg>
   </pc:docChgLst>
@@ -1992,7 +2407,7 @@
               <a:rPr lang="en-US" smtClean="0">
                 <a:latin typeface="Segoe UI" pitchFamily="34" charset="0"/>
               </a:rPr>
-              <a:t>11/19/2020 6:38 PM</a:t>
+              <a:t>11/19/2020 8:38 PM</a:t>
             </a:fld>
             <a:endParaRPr lang="en-US" dirty="0">
               <a:latin typeface="Segoe UI" pitchFamily="34" charset="0"/>
@@ -2270,7 +2685,7 @@
           <a:p>
             <a:fld id="{386CE63F-9E7F-4C04-9D0D-FCA25A8E9E86}" type="datetime8">
               <a:rPr lang="en-US" smtClean="0"/>
-              <a:t>11/19/2020 6:37 PM</a:t>
+              <a:t>11/19/2020 6:42 PM</a:t>
             </a:fld>
             <a:endParaRPr lang="en-US" dirty="0"/>
           </a:p>
@@ -2637,7 +3052,7 @@
           <a:p>
             <a:fld id="{62072DC8-D49D-432C-9D46-A7718B5F5490}" type="datetime8">
               <a:rPr lang="en-US" smtClean="0"/>
-              <a:t>11/19/2020 6:37 PM</a:t>
+              <a:t>11/19/2020 6:42 PM</a:t>
             </a:fld>
             <a:endParaRPr lang="en-US" dirty="0"/>
           </a:p>
@@ -16371,6 +16786,283 @@
           <a:chExt cx="0" cy="0"/>
         </a:xfrm>
       </p:grpSpPr>
+      <p:sp>
+        <p:nvSpPr>
+          <p:cNvPr id="2" name="Title 1">
+            <a:extLst>
+              <a:ext uri="{FF2B5EF4-FFF2-40B4-BE49-F238E27FC236}">
+                <a16:creationId xmlns:a16="http://schemas.microsoft.com/office/drawing/2014/main" id="{E2C88F14-8042-4C94-806D-6CC7B0E8174B}"/>
+              </a:ext>
+            </a:extLst>
+          </p:cNvPr>
+          <p:cNvSpPr>
+            <a:spLocks noGrp="1"/>
+          </p:cNvSpPr>
+          <p:nvPr>
+            <p:ph type="title"/>
+          </p:nvPr>
+        </p:nvSpPr>
+        <p:spPr/>
+        <p:txBody>
+          <a:bodyPr/>
+          <a:lstStyle/>
+          <a:p>
+            <a:r>
+              <a:rPr lang="en-US" dirty="0"/>
+              <a:t>Crawl: Incoming Webhook</a:t>
+            </a:r>
+          </a:p>
+        </p:txBody>
+      </p:sp>
+      <p:sp>
+        <p:nvSpPr>
+          <p:cNvPr id="3" name="Content Placeholder 2">
+            <a:extLst>
+              <a:ext uri="{FF2B5EF4-FFF2-40B4-BE49-F238E27FC236}">
+                <a16:creationId xmlns:a16="http://schemas.microsoft.com/office/drawing/2014/main" id="{0EEDD486-565B-4D78-97DA-6A116C929705}"/>
+              </a:ext>
+            </a:extLst>
+          </p:cNvPr>
+          <p:cNvSpPr>
+            <a:spLocks noGrp="1"/>
+          </p:cNvSpPr>
+          <p:nvPr>
+            <p:ph sz="quarter" idx="10"/>
+          </p:nvPr>
+        </p:nvSpPr>
+        <p:spPr/>
+        <p:txBody>
+          <a:bodyPr>
+            <a:normAutofit fontScale="92500"/>
+          </a:bodyPr>
+          <a:lstStyle/>
+          <a:p>
+            <a:r>
+              <a:rPr lang="en-US" dirty="0"/>
+              <a:t>Creates an HTTP endpoint (URL) that can be </a:t>
+            </a:r>
+            <a:r>
+              <a:rPr lang="en-US" b="1" dirty="0"/>
+              <a:t>called from any system</a:t>
+            </a:r>
+          </a:p>
+          <a:p>
+            <a:r>
+              <a:rPr lang="en-US" b="1" dirty="0"/>
+              <a:t>Included/OOTB connector </a:t>
+            </a:r>
+            <a:r>
+              <a:rPr lang="en-US" dirty="0"/>
+              <a:t>published by Microsoft</a:t>
+            </a:r>
+          </a:p>
+          <a:p>
+            <a:r>
+              <a:rPr lang="en-US" dirty="0"/>
+              <a:t>Message comes from </a:t>
+            </a:r>
+            <a:r>
+              <a:rPr lang="en-US" b="1" dirty="0"/>
+              <a:t>brandable name/image</a:t>
+            </a:r>
+          </a:p>
+          <a:p>
+            <a:r>
+              <a:rPr lang="en-US" dirty="0"/>
+              <a:t>Configured on a channel, </a:t>
+            </a:r>
+            <a:r>
+              <a:rPr lang="en-US" b="1" dirty="0"/>
+              <a:t>cannot post to person</a:t>
+            </a:r>
+          </a:p>
+          <a:p>
+            <a:r>
+              <a:rPr lang="en-US" dirty="0"/>
+              <a:t>Messages are </a:t>
+            </a:r>
+            <a:r>
+              <a:rPr lang="en-US" b="1" dirty="0"/>
+              <a:t>JSON</a:t>
+            </a:r>
+            <a:r>
+              <a:rPr lang="en-US" dirty="0"/>
+              <a:t> (actionable message card format)</a:t>
+            </a:r>
+          </a:p>
+          <a:p>
+            <a:r>
+              <a:rPr lang="en-US" dirty="0"/>
+              <a:t>Quick and easy to set up</a:t>
+            </a:r>
+          </a:p>
+          <a:p>
+            <a:r>
+              <a:rPr lang="en-US" dirty="0"/>
+              <a:t>Easily test with Postman (</a:t>
+            </a:r>
+            <a:r>
+              <a:rPr lang="en-US" dirty="0">
+                <a:hlinkClick r:id="rId2"/>
+              </a:rPr>
+              <a:t>https://getpostman.com</a:t>
+            </a:r>
+            <a:r>
+              <a:rPr lang="en-US" dirty="0"/>
+              <a:t>)</a:t>
+            </a:r>
+          </a:p>
+          <a:p>
+            <a:r>
+              <a:rPr lang="en-US" dirty="0"/>
+              <a:t>Cannot do other actions, </a:t>
+            </a:r>
+            <a:r>
+              <a:rPr lang="en-US" b="1" dirty="0"/>
+              <a:t>just send and forget</a:t>
+            </a:r>
+          </a:p>
+          <a:p>
+            <a:r>
+              <a:rPr lang="en-US" b="1" dirty="0"/>
+              <a:t>Cannot update </a:t>
+            </a:r>
+            <a:r>
+              <a:rPr lang="en-US" dirty="0"/>
+              <a:t>posted message</a:t>
+            </a:r>
+          </a:p>
+          <a:p>
+            <a:r>
+              <a:rPr lang="en-US" b="1" dirty="0"/>
+              <a:t>No developer </a:t>
+            </a:r>
+            <a:r>
+              <a:rPr lang="en-US" dirty="0"/>
+              <a:t>needed (on Teams side)</a:t>
+            </a:r>
+          </a:p>
+        </p:txBody>
+      </p:sp>
+      <p:sp>
+        <p:nvSpPr>
+          <p:cNvPr id="7" name="TextBox 6">
+            <a:extLst>
+              <a:ext uri="{FF2B5EF4-FFF2-40B4-BE49-F238E27FC236}">
+                <a16:creationId xmlns:a16="http://schemas.microsoft.com/office/drawing/2014/main" id="{5670A3F9-4518-4F06-8C65-9F33C3A50EA3}"/>
+              </a:ext>
+            </a:extLst>
+          </p:cNvPr>
+          <p:cNvSpPr txBox="1"/>
+          <p:nvPr/>
+        </p:nvSpPr>
+        <p:spPr>
+          <a:xfrm>
+            <a:off x="0" y="6211669"/>
+            <a:ext cx="12098740" cy="646331"/>
+          </a:xfrm>
+          <a:prstGeom prst="rect">
+            <a:avLst/>
+          </a:prstGeom>
+          <a:noFill/>
+        </p:spPr>
+        <p:txBody>
+          <a:bodyPr wrap="square">
+            <a:spAutoFit/>
+          </a:bodyPr>
+          <a:lstStyle/>
+          <a:p>
+            <a:r>
+              <a:rPr lang="en-US" dirty="0">
+                <a:hlinkClick r:id="rId3"/>
+              </a:rPr>
+              <a:t>https://docs.microsoft.com/en-us/microsoftteams/platform/webhooks-and-connectors/how-to/add-incoming-webhook</a:t>
+            </a:r>
+            <a:endParaRPr lang="en-US" dirty="0"/>
+          </a:p>
+          <a:p>
+            <a:r>
+              <a:rPr lang="en-US" dirty="0">
+                <a:hlinkClick r:id="rId4"/>
+              </a:rPr>
+              <a:t>https://github.com/cdbuzzell/TeamsPriorityIncidentResponse/blob/master/Crawl.md</a:t>
+            </a:r>
+            <a:r>
+              <a:rPr lang="en-US" dirty="0"/>
+              <a:t> </a:t>
+            </a:r>
+          </a:p>
+        </p:txBody>
+      </p:sp>
+      <p:pic>
+        <p:nvPicPr>
+          <p:cNvPr id="4" name="Graphic 3" descr="Baby crawling with solid fill">
+            <a:extLst>
+              <a:ext uri="{FF2B5EF4-FFF2-40B4-BE49-F238E27FC236}">
+                <a16:creationId xmlns:a16="http://schemas.microsoft.com/office/drawing/2014/main" id="{D483453E-4A51-49B6-81B1-880867538DD0}"/>
+              </a:ext>
+            </a:extLst>
+          </p:cNvPr>
+          <p:cNvPicPr>
+            <a:picLocks noChangeAspect="1"/>
+          </p:cNvPicPr>
+          <p:nvPr/>
+        </p:nvPicPr>
+        <p:blipFill>
+          <a:blip r:embed="rId5">
+            <a:extLst>
+              <a:ext uri="{96DAC541-7B7A-43D3-8B79-37D633B846F1}">
+                <asvg:svgBlip xmlns:asvg="http://schemas.microsoft.com/office/drawing/2016/SVG/main" r:embed="rId6"/>
+              </a:ext>
+            </a:extLst>
+          </a:blip>
+          <a:stretch>
+            <a:fillRect/>
+          </a:stretch>
+        </p:blipFill>
+        <p:spPr>
+          <a:xfrm>
+            <a:off x="10481480" y="-263162"/>
+            <a:ext cx="1710520" cy="1710520"/>
+          </a:xfrm>
+          <a:prstGeom prst="rect">
+            <a:avLst/>
+          </a:prstGeom>
+        </p:spPr>
+      </p:pic>
+    </p:spTree>
+    <p:extLst>
+      <p:ext uri="{BB962C8B-B14F-4D97-AF65-F5344CB8AC3E}">
+        <p14:creationId xmlns:p14="http://schemas.microsoft.com/office/powerpoint/2010/main" val="3761299721"/>
+      </p:ext>
+    </p:extLst>
+  </p:cSld>
+  <p:clrMapOvr>
+    <a:masterClrMapping/>
+  </p:clrMapOvr>
+  <p:transition>
+    <p:fade/>
+  </p:transition>
+</p:sld>
+</file>
+
+<file path=ppt/slides/slide11.xml><?xml version="1.0" encoding="utf-8"?>
+<p:sld xmlns:a="http://schemas.openxmlformats.org/drawingml/2006/main" xmlns:r="http://schemas.openxmlformats.org/officeDocument/2006/relationships" xmlns:p="http://schemas.openxmlformats.org/presentationml/2006/main">
+  <p:cSld>
+    <p:spTree>
+      <p:nvGrpSpPr>
+        <p:cNvPr id="1" name=""/>
+        <p:cNvGrpSpPr/>
+        <p:nvPr/>
+      </p:nvGrpSpPr>
+      <p:grpSpPr>
+        <a:xfrm>
+          <a:off x="0" y="0"/>
+          <a:ext cx="0" cy="0"/>
+          <a:chOff x="0" y="0"/>
+          <a:chExt cx="0" cy="0"/>
+        </a:xfrm>
+      </p:grpSpPr>
       <p:graphicFrame>
         <p:nvGraphicFramePr>
           <p:cNvPr id="4" name="Table 4">
@@ -17453,7 +18145,7 @@
 </p:sld>
 </file>
 
-<file path=ppt/slides/slide11.xml><?xml version="1.0" encoding="utf-8"?>
+<file path=ppt/slides/slide12.xml><?xml version="1.0" encoding="utf-8"?>
 <p:sld xmlns:a="http://schemas.openxmlformats.org/drawingml/2006/main" xmlns:r="http://schemas.openxmlformats.org/officeDocument/2006/relationships" xmlns:p="http://schemas.openxmlformats.org/presentationml/2006/main">
   <p:cSld>
     <p:spTree>
@@ -17630,7 +18322,7 @@
 </p:sld>
 </file>
 
-<file path=ppt/slides/slide12.xml><?xml version="1.0" encoding="utf-8"?>
+<file path=ppt/slides/slide13.xml><?xml version="1.0" encoding="utf-8"?>
 <p:sld xmlns:a="http://schemas.openxmlformats.org/drawingml/2006/main" xmlns:r="http://schemas.openxmlformats.org/officeDocument/2006/relationships" xmlns:p="http://schemas.openxmlformats.org/presentationml/2006/main">
   <p:cSld>
     <p:spTree>
@@ -17767,7 +18459,7 @@
 </p:sld>
 </file>
 
-<file path=ppt/slides/slide13.xml><?xml version="1.0" encoding="utf-8"?>
+<file path=ppt/slides/slide14.xml><?xml version="1.0" encoding="utf-8"?>
 <p:sld xmlns:a="http://schemas.openxmlformats.org/drawingml/2006/main" xmlns:r="http://schemas.openxmlformats.org/officeDocument/2006/relationships" xmlns:p="http://schemas.openxmlformats.org/presentationml/2006/main">
   <p:cSld>
     <p:spTree>
@@ -17789,6 +18481,140 @@
           <p:cNvPr id="2" name="Title 1">
             <a:extLst>
               <a:ext uri="{FF2B5EF4-FFF2-40B4-BE49-F238E27FC236}">
+                <a16:creationId xmlns:a16="http://schemas.microsoft.com/office/drawing/2014/main" id="{A0767EC5-8A1C-43CF-A06B-5E5200F6FB88}"/>
+              </a:ext>
+            </a:extLst>
+          </p:cNvPr>
+          <p:cNvSpPr>
+            <a:spLocks noGrp="1"/>
+          </p:cNvSpPr>
+          <p:nvPr>
+            <p:ph type="title"/>
+          </p:nvPr>
+        </p:nvSpPr>
+        <p:spPr/>
+        <p:txBody>
+          <a:bodyPr/>
+          <a:lstStyle/>
+          <a:p>
+            <a:r>
+              <a:rPr lang="en-US" dirty="0"/>
+              <a:t>Demo</a:t>
+            </a:r>
+          </a:p>
+        </p:txBody>
+      </p:sp>
+      <p:sp>
+        <p:nvSpPr>
+          <p:cNvPr id="3" name="Text Placeholder 2">
+            <a:extLst>
+              <a:ext uri="{FF2B5EF4-FFF2-40B4-BE49-F238E27FC236}">
+                <a16:creationId xmlns:a16="http://schemas.microsoft.com/office/drawing/2014/main" id="{5FAC280D-013B-41D4-933B-6CA5720E6AC5}"/>
+              </a:ext>
+            </a:extLst>
+          </p:cNvPr>
+          <p:cNvSpPr>
+            <a:spLocks noGrp="1"/>
+          </p:cNvSpPr>
+          <p:nvPr>
+            <p:ph type="body" sz="quarter" idx="12"/>
+          </p:nvPr>
+        </p:nvSpPr>
+        <p:spPr/>
+        <p:txBody>
+          <a:bodyPr/>
+          <a:lstStyle/>
+          <a:p>
+            <a:r>
+              <a:rPr lang="en-US" dirty="0"/>
+              <a:t>Power Automate + standard triggers</a:t>
+            </a:r>
+          </a:p>
+        </p:txBody>
+      </p:sp>
+      <p:pic>
+        <p:nvPicPr>
+          <p:cNvPr id="4" name="Graphic 3" descr="Walk with solid fill">
+            <a:extLst>
+              <a:ext uri="{FF2B5EF4-FFF2-40B4-BE49-F238E27FC236}">
+                <a16:creationId xmlns:a16="http://schemas.microsoft.com/office/drawing/2014/main" id="{078C1770-0643-47C1-A57C-F669CB5A6047}"/>
+              </a:ext>
+            </a:extLst>
+          </p:cNvPr>
+          <p:cNvPicPr>
+            <a:picLocks noChangeAspect="1"/>
+          </p:cNvPicPr>
+          <p:nvPr/>
+        </p:nvPicPr>
+        <p:blipFill>
+          <a:blip r:embed="rId2">
+            <a:extLst>
+              <a:ext uri="{96DAC541-7B7A-43D3-8B79-37D633B846F1}">
+                <asvg:svgBlip xmlns:asvg="http://schemas.microsoft.com/office/drawing/2016/SVG/main" r:embed="rId3"/>
+              </a:ext>
+            </a:extLst>
+          </a:blip>
+          <a:stretch>
+            <a:fillRect/>
+          </a:stretch>
+        </p:blipFill>
+        <p:spPr>
+          <a:xfrm>
+            <a:off x="10740085" y="0"/>
+            <a:ext cx="1710519" cy="1710519"/>
+          </a:xfrm>
+          <a:prstGeom prst="rect">
+            <a:avLst/>
+          </a:prstGeom>
+        </p:spPr>
+      </p:pic>
+    </p:spTree>
+    <p:extLst>
+      <p:ext uri="{BB962C8B-B14F-4D97-AF65-F5344CB8AC3E}">
+        <p14:creationId xmlns:p14="http://schemas.microsoft.com/office/powerpoint/2010/main" val="2434391319"/>
+      </p:ext>
+    </p:extLst>
+  </p:cSld>
+  <p:clrMapOvr>
+    <a:masterClrMapping/>
+  </p:clrMapOvr>
+  <mc:AlternateContent xmlns:mc="http://schemas.openxmlformats.org/markup-compatibility/2006">
+    <mc:Choice xmlns:p14="http://schemas.microsoft.com/office/powerpoint/2010/main" Requires="p14">
+      <p:transition spd="med" p14:dur="700">
+        <p:fade/>
+      </p:transition>
+    </mc:Choice>
+    <mc:Fallback>
+      <p:transition spd="med">
+        <p:fade/>
+      </p:transition>
+    </mc:Fallback>
+  </mc:AlternateContent>
+</p:sld>
+</file>
+
+<file path=ppt/slides/slide15.xml><?xml version="1.0" encoding="utf-8"?>
+<p:sld xmlns:a="http://schemas.openxmlformats.org/drawingml/2006/main" xmlns:r="http://schemas.openxmlformats.org/officeDocument/2006/relationships" xmlns:p="http://schemas.openxmlformats.org/presentationml/2006/main">
+  <p:cSld>
+    <p:spTree>
+      <p:nvGrpSpPr>
+        <p:cNvPr id="1" name=""/>
+        <p:cNvGrpSpPr/>
+        <p:nvPr/>
+      </p:nvGrpSpPr>
+      <p:grpSpPr>
+        <a:xfrm>
+          <a:off x="0" y="0"/>
+          <a:ext cx="0" cy="0"/>
+          <a:chOff x="0" y="0"/>
+          <a:chExt cx="0" cy="0"/>
+        </a:xfrm>
+      </p:grpSpPr>
+      <p:sp>
+        <p:nvSpPr>
+          <p:cNvPr id="2" name="Title 1">
+            <a:extLst>
+              <a:ext uri="{FF2B5EF4-FFF2-40B4-BE49-F238E27FC236}">
                 <a16:creationId xmlns:a16="http://schemas.microsoft.com/office/drawing/2014/main" id="{BEFFBFCA-5838-4D9F-BC8D-1BBE0D0B5889}"/>
               </a:ext>
             </a:extLst>
@@ -17837,38 +18663,58 @@
           <a:p>
             <a:r>
               <a:rPr lang="en-US" dirty="0"/>
-              <a:t>Triggered manually, scheduled, or by O365 services</a:t>
-            </a:r>
-          </a:p>
-          <a:p>
+              <a:t>Triggered </a:t>
+            </a:r>
+            <a:r>
+              <a:rPr lang="en-US" b="1" dirty="0"/>
+              <a:t>manually, scheduled, or by O365 services</a:t>
+            </a:r>
+          </a:p>
+          <a:p>
+            <a:r>
+              <a:rPr lang="en-US" b="1" dirty="0"/>
+              <a:t>Included/OOTB connectors </a:t>
+            </a:r>
             <a:r>
               <a:rPr lang="en-US" dirty="0"/>
-              <a:t>Included/OOTB connectors published by Microsoft</a:t>
+              <a:t>published by Microsoft</a:t>
             </a:r>
           </a:p>
           <a:p>
             <a:r>
               <a:rPr lang="en-US" dirty="0"/>
-              <a:t>Message comes from you (flow author) or Flow Bot</a:t>
+              <a:t>Message comes from you </a:t>
+            </a:r>
+            <a:r>
+              <a:rPr lang="en-US" b="1" dirty="0"/>
+              <a:t>(flow author) or Flow Bot</a:t>
             </a:r>
           </a:p>
           <a:p>
             <a:r>
               <a:rPr lang="en-US" dirty="0"/>
-              <a:t>Post message to channel or person without pre-configuring</a:t>
+              <a:t>Post message to channel or person </a:t>
+            </a:r>
+            <a:r>
+              <a:rPr lang="en-US" b="1" dirty="0"/>
+              <a:t>without pre-configuring</a:t>
             </a:r>
           </a:p>
           <a:p>
             <a:pPr lvl="1"/>
             <a:r>
+              <a:rPr lang="en-US" b="1" dirty="0"/>
+              <a:t>You must have access to the channel</a:t>
+            </a:r>
+          </a:p>
+          <a:p>
+            <a:r>
+              <a:rPr lang="en-US" b="1" dirty="0"/>
+              <a:t>Simple messages </a:t>
+            </a:r>
+            <a:r>
               <a:rPr lang="en-US" dirty="0"/>
-              <a:t>You must have access to the channel</a:t>
-            </a:r>
-          </a:p>
-          <a:p>
-            <a:r>
-              <a:rPr lang="en-US" dirty="0"/>
-              <a:t>Simple messages possible: no need for cards, JSON, etc.</a:t>
+              <a:t>possible: no need for cards, JSON, etc.</a:t>
             </a:r>
           </a:p>
           <a:p>
@@ -17879,20 +18725,32 @@
           </a:p>
           <a:p>
             <a:r>
+              <a:rPr lang="en-US" b="1" dirty="0"/>
+              <a:t>Flexibility to do other actions </a:t>
+            </a:r>
+            <a:r>
               <a:rPr lang="en-US" dirty="0"/>
-              <a:t>Flexibility to do other actions on top of posting messages (create teams, channels, call other processes, etc.)</a:t>
-            </a:r>
-          </a:p>
-          <a:p>
+              <a:t>on top of posting messages (create teams, channels, call other processes, etc.)</a:t>
+            </a:r>
+          </a:p>
+          <a:p>
+            <a:r>
+              <a:rPr lang="en-US" b="1" dirty="0"/>
+              <a:t>Cannot update </a:t>
+            </a:r>
             <a:r>
               <a:rPr lang="en-US" dirty="0"/>
-              <a:t>Cannot update posted message</a:t>
-            </a:r>
-          </a:p>
-          <a:p>
+              <a:t>posted message</a:t>
+            </a:r>
+          </a:p>
+          <a:p>
+            <a:r>
+              <a:rPr lang="en-US" b="1" dirty="0"/>
+              <a:t>No developer </a:t>
+            </a:r>
             <a:r>
               <a:rPr lang="en-US" dirty="0"/>
-              <a:t>No developer needed</a:t>
+              <a:t>needed</a:t>
             </a:r>
           </a:p>
         </p:txBody>
@@ -17990,7 +18848,7 @@
 </p:sld>
 </file>
 
-<file path=ppt/slides/slide14.xml><?xml version="1.0" encoding="utf-8"?>
+<file path=ppt/slides/slide16.xml><?xml version="1.0" encoding="utf-8"?>
 <p:sld xmlns:a="http://schemas.openxmlformats.org/drawingml/2006/main" xmlns:r="http://schemas.openxmlformats.org/officeDocument/2006/relationships" xmlns:p="http://schemas.openxmlformats.org/presentationml/2006/main">
   <p:cSld>
     <p:spTree>
@@ -18127,7 +18985,7 @@
 </p:sld>
 </file>
 
-<file path=ppt/slides/slide15.xml><?xml version="1.0" encoding="utf-8"?>
+<file path=ppt/slides/slide17.xml><?xml version="1.0" encoding="utf-8"?>
 <p:sld xmlns:a="http://schemas.openxmlformats.org/drawingml/2006/main" xmlns:r="http://schemas.openxmlformats.org/officeDocument/2006/relationships" xmlns:p="http://schemas.openxmlformats.org/presentationml/2006/main">
   <p:cSld>
     <p:spTree>
@@ -19256,7 +20114,7 @@
 </p:sld>
 </file>
 
-<file path=ppt/slides/slide16.xml><?xml version="1.0" encoding="utf-8"?>
+<file path=ppt/slides/slide18.xml><?xml version="1.0" encoding="utf-8"?>
 <p:sld xmlns:a="http://schemas.openxmlformats.org/drawingml/2006/main" xmlns:r="http://schemas.openxmlformats.org/officeDocument/2006/relationships" xmlns:p="http://schemas.openxmlformats.org/presentationml/2006/main">
   <p:cSld>
     <p:spTree>
@@ -19343,10 +20201,10 @@
       </p:pic>
       <p:pic>
         <p:nvPicPr>
-          <p:cNvPr id="4" name="Graphic 3" descr="Run outline">
+          <p:cNvPr id="3" name="Graphic 2" descr="Run outline">
             <a:extLst>
               <a:ext uri="{FF2B5EF4-FFF2-40B4-BE49-F238E27FC236}">
-                <a16:creationId xmlns:a16="http://schemas.microsoft.com/office/drawing/2014/main" id="{000AA5AB-2159-40C2-95D3-610E1564E1F9}"/>
+                <a16:creationId xmlns:a16="http://schemas.microsoft.com/office/drawing/2014/main" id="{AAD750B4-92B7-49BA-B3C1-6C04FA2E34BF}"/>
               </a:ext>
             </a:extLst>
           </p:cNvPr>
@@ -19368,8 +20226,8 @@
           </a:stretch>
         </p:blipFill>
         <p:spPr>
-          <a:xfrm>
-            <a:off x="10612306" y="0"/>
+          <a:xfrm rot="20313024">
+            <a:off x="10748773" y="62242"/>
             <a:ext cx="1709928" cy="1709928"/>
           </a:xfrm>
           <a:prstGeom prst="rect">
@@ -19393,7 +20251,7 @@
 </p:sld>
 </file>
 
-<file path=ppt/slides/slide17.xml><?xml version="1.0" encoding="utf-8"?>
+<file path=ppt/slides/slide19.xml><?xml version="1.0" encoding="utf-8"?>
 <p:sld xmlns:a="http://schemas.openxmlformats.org/drawingml/2006/main" xmlns:r="http://schemas.openxmlformats.org/officeDocument/2006/relationships" xmlns:p="http://schemas.openxmlformats.org/presentationml/2006/main">
   <p:cSld>
     <p:spTree>
@@ -19480,10 +20338,10 @@
       </p:pic>
       <p:pic>
         <p:nvPicPr>
-          <p:cNvPr id="6" name="Graphic 5" descr="Run outline">
+          <p:cNvPr id="3" name="Graphic 2" descr="Run outline">
             <a:extLst>
               <a:ext uri="{FF2B5EF4-FFF2-40B4-BE49-F238E27FC236}">
-                <a16:creationId xmlns:a16="http://schemas.microsoft.com/office/drawing/2014/main" id="{2826884A-F57B-421E-A222-8A5E25F93BA3}"/>
+                <a16:creationId xmlns:a16="http://schemas.microsoft.com/office/drawing/2014/main" id="{09998DDD-F03B-4DB2-B5B1-767355FB77F8}"/>
               </a:ext>
             </a:extLst>
           </p:cNvPr>
@@ -19505,8 +20363,8 @@
           </a:stretch>
         </p:blipFill>
         <p:spPr>
-          <a:xfrm>
-            <a:off x="10612306" y="0"/>
+          <a:xfrm rot="20313024">
+            <a:off x="10748773" y="62242"/>
             <a:ext cx="1709928" cy="1709928"/>
           </a:xfrm>
           <a:prstGeom prst="rect">
@@ -19518,391 +20376,6 @@
     <p:extLst>
       <p:ext uri="{BB962C8B-B14F-4D97-AF65-F5344CB8AC3E}">
         <p14:creationId xmlns:p14="http://schemas.microsoft.com/office/powerpoint/2010/main" val="3630477532"/>
-      </p:ext>
-    </p:extLst>
-  </p:cSld>
-  <p:clrMapOvr>
-    <a:masterClrMapping/>
-  </p:clrMapOvr>
-  <p:transition>
-    <p:fade/>
-  </p:transition>
-</p:sld>
-</file>
-
-<file path=ppt/slides/slide18.xml><?xml version="1.0" encoding="utf-8"?>
-<p:sld xmlns:a="http://schemas.openxmlformats.org/drawingml/2006/main" xmlns:r="http://schemas.openxmlformats.org/officeDocument/2006/relationships" xmlns:p="http://schemas.openxmlformats.org/presentationml/2006/main">
-  <p:cSld>
-    <p:spTree>
-      <p:nvGrpSpPr>
-        <p:cNvPr id="1" name=""/>
-        <p:cNvGrpSpPr/>
-        <p:nvPr/>
-      </p:nvGrpSpPr>
-      <p:grpSpPr>
-        <a:xfrm>
-          <a:off x="0" y="0"/>
-          <a:ext cx="0" cy="0"/>
-          <a:chOff x="0" y="0"/>
-          <a:chExt cx="0" cy="0"/>
-        </a:xfrm>
-      </p:grpSpPr>
-      <p:sp>
-        <p:nvSpPr>
-          <p:cNvPr id="2" name="Title 1">
-            <a:extLst>
-              <a:ext uri="{FF2B5EF4-FFF2-40B4-BE49-F238E27FC236}">
-                <a16:creationId xmlns:a16="http://schemas.microsoft.com/office/drawing/2014/main" id="{8091B6D9-2567-4D19-8B96-BD9A8C15F459}"/>
-              </a:ext>
-            </a:extLst>
-          </p:cNvPr>
-          <p:cNvSpPr>
-            <a:spLocks noGrp="1"/>
-          </p:cNvSpPr>
-          <p:nvPr>
-            <p:ph type="title"/>
-          </p:nvPr>
-        </p:nvSpPr>
-        <p:spPr/>
-        <p:txBody>
-          <a:bodyPr/>
-          <a:lstStyle/>
-          <a:p>
-            <a:r>
-              <a:rPr lang="en-US" dirty="0"/>
-              <a:t>Jog: Power Automate + HTTP trigger</a:t>
-            </a:r>
-          </a:p>
-        </p:txBody>
-      </p:sp>
-      <p:sp>
-        <p:nvSpPr>
-          <p:cNvPr id="3" name="Content Placeholder 2">
-            <a:extLst>
-              <a:ext uri="{FF2B5EF4-FFF2-40B4-BE49-F238E27FC236}">
-                <a16:creationId xmlns:a16="http://schemas.microsoft.com/office/drawing/2014/main" id="{DEFD20A6-F9A3-4B7D-911B-6167475109E3}"/>
-              </a:ext>
-            </a:extLst>
-          </p:cNvPr>
-          <p:cNvSpPr>
-            <a:spLocks noGrp="1"/>
-          </p:cNvSpPr>
-          <p:nvPr>
-            <p:ph sz="quarter" idx="10"/>
-          </p:nvPr>
-        </p:nvSpPr>
-        <p:spPr/>
-        <p:txBody>
-          <a:bodyPr>
-            <a:normAutofit fontScale="92500" lnSpcReduction="20000"/>
-          </a:bodyPr>
-          <a:lstStyle/>
-          <a:p>
-            <a:r>
-              <a:rPr lang="en-US" dirty="0"/>
-              <a:t>Creates an HTTP endpoint (URL) that can be called from any system</a:t>
-            </a:r>
-          </a:p>
-          <a:p>
-            <a:r>
-              <a:rPr lang="en-US" dirty="0"/>
-              <a:t>Premium connector required (Request trigger)</a:t>
-            </a:r>
-          </a:p>
-          <a:p>
-            <a:r>
-              <a:rPr lang="en-US" dirty="0"/>
-              <a:t>Message comes from Flow Bot</a:t>
-            </a:r>
-          </a:p>
-          <a:p>
-            <a:r>
-              <a:rPr lang="en-US" dirty="0"/>
-              <a:t>Post message to channel or person without pre-configuring</a:t>
-            </a:r>
-          </a:p>
-          <a:p>
-            <a:pPr lvl="1"/>
-            <a:r>
-              <a:rPr lang="en-US" dirty="0"/>
-              <a:t>You must have access to the channel</a:t>
-            </a:r>
-          </a:p>
-          <a:p>
-            <a:r>
-              <a:rPr lang="en-US" dirty="0"/>
-              <a:t>Supports Adaptive Cards (</a:t>
-            </a:r>
-            <a:r>
-              <a:rPr lang="en-US" dirty="0">
-                <a:hlinkClick r:id="rId2"/>
-              </a:rPr>
-              <a:t>https://adaptivecards.io</a:t>
-            </a:r>
-            <a:r>
-              <a:rPr lang="en-US" dirty="0"/>
-              <a:t>) [previous example did, too]</a:t>
-            </a:r>
-          </a:p>
-          <a:p>
-            <a:r>
-              <a:rPr lang="en-US" dirty="0"/>
-              <a:t>Easily test with Postman (</a:t>
-            </a:r>
-            <a:r>
-              <a:rPr lang="en-US" dirty="0">
-                <a:hlinkClick r:id="rId3"/>
-              </a:rPr>
-              <a:t>https://getpostman.com</a:t>
-            </a:r>
-            <a:r>
-              <a:rPr lang="en-US" dirty="0"/>
-              <a:t>) and/or Power Automate</a:t>
-            </a:r>
-          </a:p>
-          <a:p>
-            <a:r>
-              <a:rPr lang="en-US" dirty="0"/>
-              <a:t>Flexibility to do other actions on top of posting messages (create teams, channels, call other processes, etc.)</a:t>
-            </a:r>
-          </a:p>
-          <a:p>
-            <a:r>
-              <a:rPr lang="en-US" dirty="0"/>
-              <a:t>Cannot update posted message</a:t>
-            </a:r>
-          </a:p>
-          <a:p>
-            <a:r>
-              <a:rPr lang="en-US" dirty="0"/>
-              <a:t>No developer needed (on Teams side)</a:t>
-            </a:r>
-          </a:p>
-          <a:p>
-            <a:endParaRPr lang="en-US" dirty="0"/>
-          </a:p>
-        </p:txBody>
-      </p:sp>
-      <p:sp>
-        <p:nvSpPr>
-          <p:cNvPr id="6" name="TextBox 5">
-            <a:extLst>
-              <a:ext uri="{FF2B5EF4-FFF2-40B4-BE49-F238E27FC236}">
-                <a16:creationId xmlns:a16="http://schemas.microsoft.com/office/drawing/2014/main" id="{7B0380E6-DFC6-4E65-BD19-73713FC74841}"/>
-              </a:ext>
-            </a:extLst>
-          </p:cNvPr>
-          <p:cNvSpPr txBox="1"/>
-          <p:nvPr/>
-        </p:nvSpPr>
-        <p:spPr>
-          <a:xfrm>
-            <a:off x="1398" y="6425859"/>
-            <a:ext cx="8597318" cy="369332"/>
-          </a:xfrm>
-          <a:prstGeom prst="rect">
-            <a:avLst/>
-          </a:prstGeom>
-          <a:noFill/>
-        </p:spPr>
-        <p:txBody>
-          <a:bodyPr wrap="square">
-            <a:spAutoFit/>
-          </a:bodyPr>
-          <a:lstStyle/>
-          <a:p>
-            <a:r>
-              <a:rPr lang="en-US" dirty="0">
-                <a:hlinkClick r:id="rId4"/>
-              </a:rPr>
-              <a:t>https://github.com/cdbuzzell/TeamsPriorityIncidentResponse/blob/master/Walk.md</a:t>
-            </a:r>
-            <a:r>
-              <a:rPr lang="en-US" dirty="0"/>
-              <a:t> </a:t>
-            </a:r>
-          </a:p>
-        </p:txBody>
-      </p:sp>
-      <p:pic>
-        <p:nvPicPr>
-          <p:cNvPr id="5" name="Graphic 4" descr="Run outline">
-            <a:extLst>
-              <a:ext uri="{FF2B5EF4-FFF2-40B4-BE49-F238E27FC236}">
-                <a16:creationId xmlns:a16="http://schemas.microsoft.com/office/drawing/2014/main" id="{D38449D4-4C27-4523-B165-C05E75707056}"/>
-              </a:ext>
-            </a:extLst>
-          </p:cNvPr>
-          <p:cNvPicPr>
-            <a:picLocks noChangeAspect="1"/>
-          </p:cNvPicPr>
-          <p:nvPr/>
-        </p:nvPicPr>
-        <p:blipFill>
-          <a:blip r:embed="rId5">
-            <a:extLst>
-              <a:ext uri="{96DAC541-7B7A-43D3-8B79-37D633B846F1}">
-                <asvg:svgBlip xmlns:asvg="http://schemas.microsoft.com/office/drawing/2016/SVG/main" r:embed="rId6"/>
-              </a:ext>
-            </a:extLst>
-          </a:blip>
-          <a:stretch>
-            <a:fillRect/>
-          </a:stretch>
-        </p:blipFill>
-        <p:spPr>
-          <a:xfrm>
-            <a:off x="10612306" y="0"/>
-            <a:ext cx="1709928" cy="1709928"/>
-          </a:xfrm>
-          <a:prstGeom prst="rect">
-            <a:avLst/>
-          </a:prstGeom>
-        </p:spPr>
-      </p:pic>
-    </p:spTree>
-    <p:extLst>
-      <p:ext uri="{BB962C8B-B14F-4D97-AF65-F5344CB8AC3E}">
-        <p14:creationId xmlns:p14="http://schemas.microsoft.com/office/powerpoint/2010/main" val="2516033973"/>
-      </p:ext>
-    </p:extLst>
-  </p:cSld>
-  <p:clrMapOvr>
-    <a:masterClrMapping/>
-  </p:clrMapOvr>
-  <p:transition>
-    <p:fade/>
-  </p:transition>
-</p:sld>
-</file>
-
-<file path=ppt/slides/slide19.xml><?xml version="1.0" encoding="utf-8"?>
-<p:sld xmlns:a="http://schemas.openxmlformats.org/drawingml/2006/main" xmlns:r="http://schemas.openxmlformats.org/officeDocument/2006/relationships" xmlns:p="http://schemas.openxmlformats.org/presentationml/2006/main">
-  <p:cSld>
-    <p:spTree>
-      <p:nvGrpSpPr>
-        <p:cNvPr id="1" name=""/>
-        <p:cNvGrpSpPr/>
-        <p:nvPr/>
-      </p:nvGrpSpPr>
-      <p:grpSpPr>
-        <a:xfrm>
-          <a:off x="0" y="0"/>
-          <a:ext cx="0" cy="0"/>
-          <a:chOff x="0" y="0"/>
-          <a:chExt cx="0" cy="0"/>
-        </a:xfrm>
-      </p:grpSpPr>
-      <p:sp>
-        <p:nvSpPr>
-          <p:cNvPr id="2" name="Title 1">
-            <a:extLst>
-              <a:ext uri="{FF2B5EF4-FFF2-40B4-BE49-F238E27FC236}">
-                <a16:creationId xmlns:a16="http://schemas.microsoft.com/office/drawing/2014/main" id="{8091B6D9-2567-4D19-8B96-BD9A8C15F459}"/>
-              </a:ext>
-            </a:extLst>
-          </p:cNvPr>
-          <p:cNvSpPr>
-            <a:spLocks noGrp="1"/>
-          </p:cNvSpPr>
-          <p:nvPr>
-            <p:ph type="title"/>
-          </p:nvPr>
-        </p:nvSpPr>
-        <p:spPr/>
-        <p:txBody>
-          <a:bodyPr/>
-          <a:lstStyle/>
-          <a:p>
-            <a:r>
-              <a:rPr lang="en-US" dirty="0"/>
-              <a:t>Jog: Power Automate + HTTP trigger</a:t>
-            </a:r>
-          </a:p>
-        </p:txBody>
-      </p:sp>
-      <p:pic>
-        <p:nvPicPr>
-          <p:cNvPr id="5" name="Content Placeholder 4">
-            <a:extLst>
-              <a:ext uri="{FF2B5EF4-FFF2-40B4-BE49-F238E27FC236}">
-                <a16:creationId xmlns:a16="http://schemas.microsoft.com/office/drawing/2014/main" id="{853EABA6-9EA3-436E-8499-A14CDBF2A5F7}"/>
-              </a:ext>
-            </a:extLst>
-          </p:cNvPr>
-          <p:cNvPicPr>
-            <a:picLocks noGrp="1" noChangeAspect="1"/>
-          </p:cNvPicPr>
-          <p:nvPr>
-            <p:ph sz="quarter" idx="10"/>
-          </p:nvPr>
-        </p:nvPicPr>
-        <p:blipFill>
-          <a:blip r:embed="rId2"/>
-          <a:stretch>
-            <a:fillRect/>
-          </a:stretch>
-        </p:blipFill>
-        <p:spPr>
-          <a:xfrm>
-            <a:off x="3202378" y="1956329"/>
-            <a:ext cx="5782482" cy="3791479"/>
-          </a:xfrm>
-          <a:prstGeom prst="rect">
-            <a:avLst/>
-          </a:prstGeom>
-          <a:ln>
-            <a:noFill/>
-          </a:ln>
-          <a:effectLst>
-            <a:outerShdw blurRad="292100" dist="139700" dir="2700000" algn="tl" rotWithShape="0">
-              <a:srgbClr val="333333">
-                <a:alpha val="65000"/>
-              </a:srgbClr>
-            </a:outerShdw>
-          </a:effectLst>
-        </p:spPr>
-      </p:pic>
-      <p:pic>
-        <p:nvPicPr>
-          <p:cNvPr id="3" name="Graphic 2" descr="Run outline">
-            <a:extLst>
-              <a:ext uri="{FF2B5EF4-FFF2-40B4-BE49-F238E27FC236}">
-                <a16:creationId xmlns:a16="http://schemas.microsoft.com/office/drawing/2014/main" id="{50F737BB-C11D-48C3-84F8-420BD529BE49}"/>
-              </a:ext>
-            </a:extLst>
-          </p:cNvPr>
-          <p:cNvPicPr>
-            <a:picLocks noChangeAspect="1"/>
-          </p:cNvPicPr>
-          <p:nvPr/>
-        </p:nvPicPr>
-        <p:blipFill>
-          <a:blip r:embed="rId3">
-            <a:extLst>
-              <a:ext uri="{96DAC541-7B7A-43D3-8B79-37D633B846F1}">
-                <asvg:svgBlip xmlns:asvg="http://schemas.microsoft.com/office/drawing/2016/SVG/main" r:embed="rId4"/>
-              </a:ext>
-            </a:extLst>
-          </a:blip>
-          <a:stretch>
-            <a:fillRect/>
-          </a:stretch>
-        </p:blipFill>
-        <p:spPr>
-          <a:xfrm>
-            <a:off x="10612306" y="0"/>
-            <a:ext cx="1709928" cy="1709928"/>
-          </a:xfrm>
-          <a:prstGeom prst="rect">
-            <a:avLst/>
-          </a:prstGeom>
-        </p:spPr>
-      </p:pic>
-    </p:spTree>
-    <p:extLst>
-      <p:ext uri="{BB962C8B-B14F-4D97-AF65-F5344CB8AC3E}">
-        <p14:creationId xmlns:p14="http://schemas.microsoft.com/office/powerpoint/2010/main" val="1807369062"/>
       </p:ext>
     </p:extLst>
   </p:cSld>
@@ -20302,6 +20775,561 @@
 </file>
 
 <file path=ppt/slides/slide20.xml><?xml version="1.0" encoding="utf-8"?>
+<p:sld xmlns:a="http://schemas.openxmlformats.org/drawingml/2006/main" xmlns:r="http://schemas.openxmlformats.org/officeDocument/2006/relationships" xmlns:p="http://schemas.openxmlformats.org/presentationml/2006/main">
+  <p:cSld>
+    <p:spTree>
+      <p:nvGrpSpPr>
+        <p:cNvPr id="1" name=""/>
+        <p:cNvGrpSpPr/>
+        <p:nvPr/>
+      </p:nvGrpSpPr>
+      <p:grpSpPr>
+        <a:xfrm>
+          <a:off x="0" y="0"/>
+          <a:ext cx="0" cy="0"/>
+          <a:chOff x="0" y="0"/>
+          <a:chExt cx="0" cy="0"/>
+        </a:xfrm>
+      </p:grpSpPr>
+      <p:sp>
+        <p:nvSpPr>
+          <p:cNvPr id="2" name="Title 1">
+            <a:extLst>
+              <a:ext uri="{FF2B5EF4-FFF2-40B4-BE49-F238E27FC236}">
+                <a16:creationId xmlns:a16="http://schemas.microsoft.com/office/drawing/2014/main" id="{A0767EC5-8A1C-43CF-A06B-5E5200F6FB88}"/>
+              </a:ext>
+            </a:extLst>
+          </p:cNvPr>
+          <p:cNvSpPr>
+            <a:spLocks noGrp="1"/>
+          </p:cNvSpPr>
+          <p:nvPr>
+            <p:ph type="title"/>
+          </p:nvPr>
+        </p:nvSpPr>
+        <p:spPr/>
+        <p:txBody>
+          <a:bodyPr/>
+          <a:lstStyle/>
+          <a:p>
+            <a:r>
+              <a:rPr lang="en-US" dirty="0"/>
+              <a:t>Demo</a:t>
+            </a:r>
+          </a:p>
+        </p:txBody>
+      </p:sp>
+      <p:sp>
+        <p:nvSpPr>
+          <p:cNvPr id="3" name="Text Placeholder 2">
+            <a:extLst>
+              <a:ext uri="{FF2B5EF4-FFF2-40B4-BE49-F238E27FC236}">
+                <a16:creationId xmlns:a16="http://schemas.microsoft.com/office/drawing/2014/main" id="{5FAC280D-013B-41D4-933B-6CA5720E6AC5}"/>
+              </a:ext>
+            </a:extLst>
+          </p:cNvPr>
+          <p:cNvSpPr>
+            <a:spLocks noGrp="1"/>
+          </p:cNvSpPr>
+          <p:nvPr>
+            <p:ph type="body" sz="quarter" idx="12"/>
+          </p:nvPr>
+        </p:nvSpPr>
+        <p:spPr/>
+        <p:txBody>
+          <a:bodyPr/>
+          <a:lstStyle/>
+          <a:p>
+            <a:r>
+              <a:rPr lang="en-US" dirty="0"/>
+              <a:t>Power Automate + HTTP trigger</a:t>
+            </a:r>
+          </a:p>
+        </p:txBody>
+      </p:sp>
+      <p:pic>
+        <p:nvPicPr>
+          <p:cNvPr id="6" name="Graphic 5" descr="Run outline">
+            <a:extLst>
+              <a:ext uri="{FF2B5EF4-FFF2-40B4-BE49-F238E27FC236}">
+                <a16:creationId xmlns:a16="http://schemas.microsoft.com/office/drawing/2014/main" id="{1D0BBE46-E745-4908-B7F3-A0571B7230C1}"/>
+              </a:ext>
+            </a:extLst>
+          </p:cNvPr>
+          <p:cNvPicPr>
+            <a:picLocks noChangeAspect="1"/>
+          </p:cNvPicPr>
+          <p:nvPr/>
+        </p:nvPicPr>
+        <p:blipFill>
+          <a:blip r:embed="rId2">
+            <a:extLst>
+              <a:ext uri="{96DAC541-7B7A-43D3-8B79-37D633B846F1}">
+                <asvg:svgBlip xmlns:asvg="http://schemas.microsoft.com/office/drawing/2016/SVG/main" r:embed="rId3"/>
+              </a:ext>
+            </a:extLst>
+          </a:blip>
+          <a:stretch>
+            <a:fillRect/>
+          </a:stretch>
+        </p:blipFill>
+        <p:spPr>
+          <a:xfrm rot="20313024">
+            <a:off x="10748773" y="62242"/>
+            <a:ext cx="1709928" cy="1709928"/>
+          </a:xfrm>
+          <a:prstGeom prst="rect">
+            <a:avLst/>
+          </a:prstGeom>
+        </p:spPr>
+      </p:pic>
+    </p:spTree>
+    <p:extLst>
+      <p:ext uri="{BB962C8B-B14F-4D97-AF65-F5344CB8AC3E}">
+        <p14:creationId xmlns:p14="http://schemas.microsoft.com/office/powerpoint/2010/main" val="1999991331"/>
+      </p:ext>
+    </p:extLst>
+  </p:cSld>
+  <p:clrMapOvr>
+    <a:masterClrMapping/>
+  </p:clrMapOvr>
+  <mc:AlternateContent xmlns:mc="http://schemas.openxmlformats.org/markup-compatibility/2006">
+    <mc:Choice xmlns:p14="http://schemas.microsoft.com/office/powerpoint/2010/main" Requires="p14">
+      <p:transition spd="med" p14:dur="700">
+        <p:fade/>
+      </p:transition>
+    </mc:Choice>
+    <mc:Fallback>
+      <p:transition spd="med">
+        <p:fade/>
+      </p:transition>
+    </mc:Fallback>
+  </mc:AlternateContent>
+</p:sld>
+</file>
+
+<file path=ppt/slides/slide21.xml><?xml version="1.0" encoding="utf-8"?>
+<p:sld xmlns:a="http://schemas.openxmlformats.org/drawingml/2006/main" xmlns:r="http://schemas.openxmlformats.org/officeDocument/2006/relationships" xmlns:p="http://schemas.openxmlformats.org/presentationml/2006/main">
+  <p:cSld>
+    <p:spTree>
+      <p:nvGrpSpPr>
+        <p:cNvPr id="1" name=""/>
+        <p:cNvGrpSpPr/>
+        <p:nvPr/>
+      </p:nvGrpSpPr>
+      <p:grpSpPr>
+        <a:xfrm>
+          <a:off x="0" y="0"/>
+          <a:ext cx="0" cy="0"/>
+          <a:chOff x="0" y="0"/>
+          <a:chExt cx="0" cy="0"/>
+        </a:xfrm>
+      </p:grpSpPr>
+      <p:sp>
+        <p:nvSpPr>
+          <p:cNvPr id="2" name="Title 1">
+            <a:extLst>
+              <a:ext uri="{FF2B5EF4-FFF2-40B4-BE49-F238E27FC236}">
+                <a16:creationId xmlns:a16="http://schemas.microsoft.com/office/drawing/2014/main" id="{8091B6D9-2567-4D19-8B96-BD9A8C15F459}"/>
+              </a:ext>
+            </a:extLst>
+          </p:cNvPr>
+          <p:cNvSpPr>
+            <a:spLocks noGrp="1"/>
+          </p:cNvSpPr>
+          <p:nvPr>
+            <p:ph type="title"/>
+          </p:nvPr>
+        </p:nvSpPr>
+        <p:spPr/>
+        <p:txBody>
+          <a:bodyPr/>
+          <a:lstStyle/>
+          <a:p>
+            <a:r>
+              <a:rPr lang="en-US" dirty="0"/>
+              <a:t>Jog: Power Automate + HTTP trigger</a:t>
+            </a:r>
+          </a:p>
+        </p:txBody>
+      </p:sp>
+      <p:sp>
+        <p:nvSpPr>
+          <p:cNvPr id="3" name="Content Placeholder 2">
+            <a:extLst>
+              <a:ext uri="{FF2B5EF4-FFF2-40B4-BE49-F238E27FC236}">
+                <a16:creationId xmlns:a16="http://schemas.microsoft.com/office/drawing/2014/main" id="{DEFD20A6-F9A3-4B7D-911B-6167475109E3}"/>
+              </a:ext>
+            </a:extLst>
+          </p:cNvPr>
+          <p:cNvSpPr>
+            <a:spLocks noGrp="1"/>
+          </p:cNvSpPr>
+          <p:nvPr>
+            <p:ph sz="quarter" idx="10"/>
+          </p:nvPr>
+        </p:nvSpPr>
+        <p:spPr/>
+        <p:txBody>
+          <a:bodyPr>
+            <a:normAutofit fontScale="92500" lnSpcReduction="20000"/>
+          </a:bodyPr>
+          <a:lstStyle/>
+          <a:p>
+            <a:r>
+              <a:rPr lang="en-US" dirty="0"/>
+              <a:t>Creates an HTTP endpoint (URL) that can be </a:t>
+            </a:r>
+            <a:r>
+              <a:rPr lang="en-US" b="1" dirty="0"/>
+              <a:t>called from any system</a:t>
+            </a:r>
+          </a:p>
+          <a:p>
+            <a:r>
+              <a:rPr lang="en-US" b="1" dirty="0"/>
+              <a:t>Premium connector </a:t>
+            </a:r>
+            <a:r>
+              <a:rPr lang="en-US" dirty="0"/>
+              <a:t>required (Request trigger)</a:t>
+            </a:r>
+          </a:p>
+          <a:p>
+            <a:r>
+              <a:rPr lang="en-US" dirty="0"/>
+              <a:t>Message comes from </a:t>
+            </a:r>
+            <a:r>
+              <a:rPr lang="en-US" b="1" dirty="0"/>
+              <a:t>Flow Bot</a:t>
+            </a:r>
+          </a:p>
+          <a:p>
+            <a:r>
+              <a:rPr lang="en-US" dirty="0"/>
+              <a:t>Post message to channel or person </a:t>
+            </a:r>
+            <a:r>
+              <a:rPr lang="en-US" b="1" dirty="0"/>
+              <a:t>without pre-configuring</a:t>
+            </a:r>
+          </a:p>
+          <a:p>
+            <a:pPr lvl="1"/>
+            <a:r>
+              <a:rPr lang="en-US" b="1" dirty="0"/>
+              <a:t>You must have access to the channel</a:t>
+            </a:r>
+          </a:p>
+          <a:p>
+            <a:r>
+              <a:rPr lang="en-US" dirty="0"/>
+              <a:t>Supports </a:t>
+            </a:r>
+            <a:r>
+              <a:rPr lang="en-US" b="1" dirty="0"/>
+              <a:t>Adaptive Cards </a:t>
+            </a:r>
+            <a:r>
+              <a:rPr lang="en-US" dirty="0"/>
+              <a:t>(</a:t>
+            </a:r>
+            <a:r>
+              <a:rPr lang="en-US" dirty="0">
+                <a:hlinkClick r:id="rId2"/>
+              </a:rPr>
+              <a:t>https://adaptivecards.io</a:t>
+            </a:r>
+            <a:r>
+              <a:rPr lang="en-US" dirty="0"/>
+              <a:t>) [previous example did, too]</a:t>
+            </a:r>
+          </a:p>
+          <a:p>
+            <a:r>
+              <a:rPr lang="en-US" dirty="0"/>
+              <a:t>Easily test with Postman (</a:t>
+            </a:r>
+            <a:r>
+              <a:rPr lang="en-US" dirty="0">
+                <a:hlinkClick r:id="rId3"/>
+              </a:rPr>
+              <a:t>https://getpostman.com</a:t>
+            </a:r>
+            <a:r>
+              <a:rPr lang="en-US" dirty="0"/>
+              <a:t>) and/or Power Automate</a:t>
+            </a:r>
+          </a:p>
+          <a:p>
+            <a:r>
+              <a:rPr lang="en-US" b="1" dirty="0"/>
+              <a:t>Flexibility to do other actions </a:t>
+            </a:r>
+            <a:r>
+              <a:rPr lang="en-US" dirty="0"/>
+              <a:t>on top of posting messages (create teams, channels, call other processes, etc.)</a:t>
+            </a:r>
+          </a:p>
+          <a:p>
+            <a:r>
+              <a:rPr lang="en-US" b="1" dirty="0"/>
+              <a:t>Cannot update </a:t>
+            </a:r>
+            <a:r>
+              <a:rPr lang="en-US" dirty="0"/>
+              <a:t>posted message</a:t>
+            </a:r>
+          </a:p>
+          <a:p>
+            <a:r>
+              <a:rPr lang="en-US" b="1" dirty="0"/>
+              <a:t>No developer </a:t>
+            </a:r>
+            <a:r>
+              <a:rPr lang="en-US" dirty="0"/>
+              <a:t>needed (on Teams side)</a:t>
+            </a:r>
+          </a:p>
+          <a:p>
+            <a:endParaRPr lang="en-US" dirty="0"/>
+          </a:p>
+        </p:txBody>
+      </p:sp>
+      <p:sp>
+        <p:nvSpPr>
+          <p:cNvPr id="6" name="TextBox 5">
+            <a:extLst>
+              <a:ext uri="{FF2B5EF4-FFF2-40B4-BE49-F238E27FC236}">
+                <a16:creationId xmlns:a16="http://schemas.microsoft.com/office/drawing/2014/main" id="{7B0380E6-DFC6-4E65-BD19-73713FC74841}"/>
+              </a:ext>
+            </a:extLst>
+          </p:cNvPr>
+          <p:cNvSpPr txBox="1"/>
+          <p:nvPr/>
+        </p:nvSpPr>
+        <p:spPr>
+          <a:xfrm>
+            <a:off x="1398" y="6425859"/>
+            <a:ext cx="8597318" cy="369332"/>
+          </a:xfrm>
+          <a:prstGeom prst="rect">
+            <a:avLst/>
+          </a:prstGeom>
+          <a:noFill/>
+        </p:spPr>
+        <p:txBody>
+          <a:bodyPr wrap="square">
+            <a:spAutoFit/>
+          </a:bodyPr>
+          <a:lstStyle/>
+          <a:p>
+            <a:r>
+              <a:rPr lang="en-US" dirty="0">
+                <a:hlinkClick r:id="rId4"/>
+              </a:rPr>
+              <a:t>https://github.com/cdbuzzell/TeamsPriorityIncidentResponse/blob/master/Walk.md</a:t>
+            </a:r>
+            <a:r>
+              <a:rPr lang="en-US" dirty="0"/>
+              <a:t> </a:t>
+            </a:r>
+          </a:p>
+        </p:txBody>
+      </p:sp>
+      <p:pic>
+        <p:nvPicPr>
+          <p:cNvPr id="4" name="Graphic 3" descr="Run outline">
+            <a:extLst>
+              <a:ext uri="{FF2B5EF4-FFF2-40B4-BE49-F238E27FC236}">
+                <a16:creationId xmlns:a16="http://schemas.microsoft.com/office/drawing/2014/main" id="{6D96D134-D8D3-42C9-BFCD-907D63AB1D58}"/>
+              </a:ext>
+            </a:extLst>
+          </p:cNvPr>
+          <p:cNvPicPr>
+            <a:picLocks noChangeAspect="1"/>
+          </p:cNvPicPr>
+          <p:nvPr/>
+        </p:nvPicPr>
+        <p:blipFill>
+          <a:blip r:embed="rId5">
+            <a:extLst>
+              <a:ext uri="{96DAC541-7B7A-43D3-8B79-37D633B846F1}">
+                <asvg:svgBlip xmlns:asvg="http://schemas.microsoft.com/office/drawing/2016/SVG/main" r:embed="rId6"/>
+              </a:ext>
+            </a:extLst>
+          </a:blip>
+          <a:stretch>
+            <a:fillRect/>
+          </a:stretch>
+        </p:blipFill>
+        <p:spPr>
+          <a:xfrm rot="20313024">
+            <a:off x="10748773" y="62242"/>
+            <a:ext cx="1709928" cy="1709928"/>
+          </a:xfrm>
+          <a:prstGeom prst="rect">
+            <a:avLst/>
+          </a:prstGeom>
+        </p:spPr>
+      </p:pic>
+    </p:spTree>
+    <p:extLst>
+      <p:ext uri="{BB962C8B-B14F-4D97-AF65-F5344CB8AC3E}">
+        <p14:creationId xmlns:p14="http://schemas.microsoft.com/office/powerpoint/2010/main" val="2516033973"/>
+      </p:ext>
+    </p:extLst>
+  </p:cSld>
+  <p:clrMapOvr>
+    <a:masterClrMapping/>
+  </p:clrMapOvr>
+  <p:transition>
+    <p:fade/>
+  </p:transition>
+</p:sld>
+</file>
+
+<file path=ppt/slides/slide22.xml><?xml version="1.0" encoding="utf-8"?>
+<p:sld xmlns:a="http://schemas.openxmlformats.org/drawingml/2006/main" xmlns:r="http://schemas.openxmlformats.org/officeDocument/2006/relationships" xmlns:p="http://schemas.openxmlformats.org/presentationml/2006/main">
+  <p:cSld>
+    <p:spTree>
+      <p:nvGrpSpPr>
+        <p:cNvPr id="1" name=""/>
+        <p:cNvGrpSpPr/>
+        <p:nvPr/>
+      </p:nvGrpSpPr>
+      <p:grpSpPr>
+        <a:xfrm>
+          <a:off x="0" y="0"/>
+          <a:ext cx="0" cy="0"/>
+          <a:chOff x="0" y="0"/>
+          <a:chExt cx="0" cy="0"/>
+        </a:xfrm>
+      </p:grpSpPr>
+      <p:sp>
+        <p:nvSpPr>
+          <p:cNvPr id="2" name="Title 1">
+            <a:extLst>
+              <a:ext uri="{FF2B5EF4-FFF2-40B4-BE49-F238E27FC236}">
+                <a16:creationId xmlns:a16="http://schemas.microsoft.com/office/drawing/2014/main" id="{8091B6D9-2567-4D19-8B96-BD9A8C15F459}"/>
+              </a:ext>
+            </a:extLst>
+          </p:cNvPr>
+          <p:cNvSpPr>
+            <a:spLocks noGrp="1"/>
+          </p:cNvSpPr>
+          <p:nvPr>
+            <p:ph type="title"/>
+          </p:nvPr>
+        </p:nvSpPr>
+        <p:spPr/>
+        <p:txBody>
+          <a:bodyPr/>
+          <a:lstStyle/>
+          <a:p>
+            <a:r>
+              <a:rPr lang="en-US" dirty="0"/>
+              <a:t>Jog: Power Automate + HTTP trigger</a:t>
+            </a:r>
+          </a:p>
+        </p:txBody>
+      </p:sp>
+      <p:pic>
+        <p:nvPicPr>
+          <p:cNvPr id="5" name="Content Placeholder 4">
+            <a:extLst>
+              <a:ext uri="{FF2B5EF4-FFF2-40B4-BE49-F238E27FC236}">
+                <a16:creationId xmlns:a16="http://schemas.microsoft.com/office/drawing/2014/main" id="{853EABA6-9EA3-436E-8499-A14CDBF2A5F7}"/>
+              </a:ext>
+            </a:extLst>
+          </p:cNvPr>
+          <p:cNvPicPr>
+            <a:picLocks noGrp="1" noChangeAspect="1"/>
+          </p:cNvPicPr>
+          <p:nvPr>
+            <p:ph sz="quarter" idx="10"/>
+          </p:nvPr>
+        </p:nvPicPr>
+        <p:blipFill>
+          <a:blip r:embed="rId2"/>
+          <a:stretch>
+            <a:fillRect/>
+          </a:stretch>
+        </p:blipFill>
+        <p:spPr>
+          <a:xfrm>
+            <a:off x="3202378" y="1956329"/>
+            <a:ext cx="5782482" cy="3791479"/>
+          </a:xfrm>
+          <a:prstGeom prst="rect">
+            <a:avLst/>
+          </a:prstGeom>
+          <a:ln>
+            <a:noFill/>
+          </a:ln>
+          <a:effectLst>
+            <a:outerShdw blurRad="292100" dist="139700" dir="2700000" algn="tl" rotWithShape="0">
+              <a:srgbClr val="333333">
+                <a:alpha val="65000"/>
+              </a:srgbClr>
+            </a:outerShdw>
+          </a:effectLst>
+        </p:spPr>
+      </p:pic>
+      <p:pic>
+        <p:nvPicPr>
+          <p:cNvPr id="4" name="Graphic 3" descr="Run outline">
+            <a:extLst>
+              <a:ext uri="{FF2B5EF4-FFF2-40B4-BE49-F238E27FC236}">
+                <a16:creationId xmlns:a16="http://schemas.microsoft.com/office/drawing/2014/main" id="{EE327F4E-1016-446D-A225-232740551318}"/>
+              </a:ext>
+            </a:extLst>
+          </p:cNvPr>
+          <p:cNvPicPr>
+            <a:picLocks noChangeAspect="1"/>
+          </p:cNvPicPr>
+          <p:nvPr/>
+        </p:nvPicPr>
+        <p:blipFill>
+          <a:blip r:embed="rId3">
+            <a:extLst>
+              <a:ext uri="{96DAC541-7B7A-43D3-8B79-37D633B846F1}">
+                <asvg:svgBlip xmlns:asvg="http://schemas.microsoft.com/office/drawing/2016/SVG/main" r:embed="rId4"/>
+              </a:ext>
+            </a:extLst>
+          </a:blip>
+          <a:stretch>
+            <a:fillRect/>
+          </a:stretch>
+        </p:blipFill>
+        <p:spPr>
+          <a:xfrm rot="20313024">
+            <a:off x="10748773" y="62242"/>
+            <a:ext cx="1709928" cy="1709928"/>
+          </a:xfrm>
+          <a:prstGeom prst="rect">
+            <a:avLst/>
+          </a:prstGeom>
+        </p:spPr>
+      </p:pic>
+    </p:spTree>
+    <p:extLst>
+      <p:ext uri="{BB962C8B-B14F-4D97-AF65-F5344CB8AC3E}">
+        <p14:creationId xmlns:p14="http://schemas.microsoft.com/office/powerpoint/2010/main" val="1807369062"/>
+      </p:ext>
+    </p:extLst>
+  </p:cSld>
+  <p:clrMapOvr>
+    <a:masterClrMapping/>
+  </p:clrMapOvr>
+  <p:transition>
+    <p:fade/>
+  </p:transition>
+</p:sld>
+</file>
+
+<file path=ppt/slides/slide23.xml><?xml version="1.0" encoding="utf-8"?>
 <p:sld xmlns:a="http://schemas.openxmlformats.org/drawingml/2006/main" xmlns:r="http://schemas.openxmlformats.org/officeDocument/2006/relationships" xmlns:p="http://schemas.openxmlformats.org/presentationml/2006/main">
   <p:cSld>
     <p:spTree>
@@ -21305,42 +22333,6 @@
           </a:prstGeom>
         </p:spPr>
       </p:pic>
-      <p:pic>
-        <p:nvPicPr>
-          <p:cNvPr id="27" name="Graphic 26" descr="Run outline">
-            <a:extLst>
-              <a:ext uri="{FF2B5EF4-FFF2-40B4-BE49-F238E27FC236}">
-                <a16:creationId xmlns:a16="http://schemas.microsoft.com/office/drawing/2014/main" id="{2CE91773-6975-46BA-9D22-92167EE1C30B}"/>
-              </a:ext>
-            </a:extLst>
-          </p:cNvPr>
-          <p:cNvPicPr>
-            <a:picLocks noChangeAspect="1"/>
-          </p:cNvPicPr>
-          <p:nvPr/>
-        </p:nvPicPr>
-        <p:blipFill>
-          <a:blip r:embed="rId8">
-            <a:extLst>
-              <a:ext uri="{96DAC541-7B7A-43D3-8B79-37D633B846F1}">
-                <asvg:svgBlip xmlns:asvg="http://schemas.microsoft.com/office/drawing/2016/SVG/main" r:embed="rId9"/>
-              </a:ext>
-            </a:extLst>
-          </a:blip>
-          <a:stretch>
-            <a:fillRect/>
-          </a:stretch>
-        </p:blipFill>
-        <p:spPr>
-          <a:xfrm>
-            <a:off x="8202481" y="276818"/>
-            <a:ext cx="1371600" cy="1371600"/>
-          </a:xfrm>
-          <a:prstGeom prst="rect">
-            <a:avLst/>
-          </a:prstGeom>
-        </p:spPr>
-      </p:pic>
       <p:sp>
         <p:nvSpPr>
           <p:cNvPr id="2" name="Rectangle 1">
@@ -21414,6 +22406,42 @@
           </a:p>
         </p:txBody>
       </p:sp>
+      <p:pic>
+        <p:nvPicPr>
+          <p:cNvPr id="3" name="Graphic 2" descr="Run outline">
+            <a:extLst>
+              <a:ext uri="{FF2B5EF4-FFF2-40B4-BE49-F238E27FC236}">
+                <a16:creationId xmlns:a16="http://schemas.microsoft.com/office/drawing/2014/main" id="{E28552A1-560C-465A-BF70-08983CEDD756}"/>
+              </a:ext>
+            </a:extLst>
+          </p:cNvPr>
+          <p:cNvPicPr>
+            <a:picLocks noChangeAspect="1"/>
+          </p:cNvPicPr>
+          <p:nvPr/>
+        </p:nvPicPr>
+        <p:blipFill>
+          <a:blip r:embed="rId8">
+            <a:extLst>
+              <a:ext uri="{96DAC541-7B7A-43D3-8B79-37D633B846F1}">
+                <asvg:svgBlip xmlns:asvg="http://schemas.microsoft.com/office/drawing/2016/SVG/main" r:embed="rId9"/>
+              </a:ext>
+            </a:extLst>
+          </a:blip>
+          <a:stretch>
+            <a:fillRect/>
+          </a:stretch>
+        </p:blipFill>
+        <p:spPr>
+          <a:xfrm rot="20313024">
+            <a:off x="8103273" y="359754"/>
+            <a:ext cx="1371600" cy="1371600"/>
+          </a:xfrm>
+          <a:prstGeom prst="rect">
+            <a:avLst/>
+          </a:prstGeom>
+        </p:spPr>
+      </p:pic>
     </p:spTree>
     <p:extLst>
       <p:ext uri="{BB962C8B-B14F-4D97-AF65-F5344CB8AC3E}">
@@ -21430,7 +22458,7 @@
 </p:sld>
 </file>
 
-<file path=ppt/slides/slide21.xml><?xml version="1.0" encoding="utf-8"?>
+<file path=ppt/slides/slide24.xml><?xml version="1.0" encoding="utf-8"?>
 <p:sld xmlns:a="http://schemas.openxmlformats.org/drawingml/2006/main" xmlns:r="http://schemas.openxmlformats.org/officeDocument/2006/relationships" xmlns:p="http://schemas.openxmlformats.org/presentationml/2006/main">
   <p:cSld>
     <p:spTree>
@@ -21607,7 +22635,7 @@
 </p:sld>
 </file>
 
-<file path=ppt/slides/slide22.xml><?xml version="1.0" encoding="utf-8"?>
+<file path=ppt/slides/slide25.xml><?xml version="1.0" encoding="utf-8"?>
 <p:sld xmlns:a="http://schemas.openxmlformats.org/drawingml/2006/main" xmlns:r="http://schemas.openxmlformats.org/officeDocument/2006/relationships" xmlns:p="http://schemas.openxmlformats.org/presentationml/2006/main">
   <p:cSld>
     <p:spTree>
@@ -21744,7 +22772,7 @@
 </p:sld>
 </file>
 
-<file path=ppt/slides/slide23.xml><?xml version="1.0" encoding="utf-8"?>
+<file path=ppt/slides/slide26.xml><?xml version="1.0" encoding="utf-8"?>
 <p:sld xmlns:a="http://schemas.openxmlformats.org/drawingml/2006/main" xmlns:r="http://schemas.openxmlformats.org/officeDocument/2006/relationships" xmlns:p="http://schemas.openxmlformats.org/presentationml/2006/main">
   <p:cSld>
     <p:spTree>
@@ -21766,7 +22794,7 @@
           <p:cNvPr id="2" name="Title 1">
             <a:extLst>
               <a:ext uri="{FF2B5EF4-FFF2-40B4-BE49-F238E27FC236}">
-                <a16:creationId xmlns:a16="http://schemas.microsoft.com/office/drawing/2014/main" id="{251368EB-337E-4B06-AEF0-6BFEAE626841}"/>
+                <a16:creationId xmlns:a16="http://schemas.microsoft.com/office/drawing/2014/main" id="{A0767EC5-8A1C-43CF-A06B-5E5200F6FB88}"/>
               </a:ext>
             </a:extLst>
           </p:cNvPr>
@@ -21784,6 +22812,140 @@
           <a:p>
             <a:r>
               <a:rPr lang="en-US" dirty="0"/>
+              <a:t>Demo</a:t>
+            </a:r>
+          </a:p>
+        </p:txBody>
+      </p:sp>
+      <p:sp>
+        <p:nvSpPr>
+          <p:cNvPr id="3" name="Text Placeholder 2">
+            <a:extLst>
+              <a:ext uri="{FF2B5EF4-FFF2-40B4-BE49-F238E27FC236}">
+                <a16:creationId xmlns:a16="http://schemas.microsoft.com/office/drawing/2014/main" id="{5FAC280D-013B-41D4-933B-6CA5720E6AC5}"/>
+              </a:ext>
+            </a:extLst>
+          </p:cNvPr>
+          <p:cNvSpPr>
+            <a:spLocks noGrp="1"/>
+          </p:cNvSpPr>
+          <p:nvPr>
+            <p:ph type="body" sz="quarter" idx="12"/>
+          </p:nvPr>
+        </p:nvSpPr>
+        <p:spPr/>
+        <p:txBody>
+          <a:bodyPr/>
+          <a:lstStyle/>
+          <a:p>
+            <a:r>
+              <a:rPr lang="en-US" dirty="0"/>
+              <a:t>C# bot</a:t>
+            </a:r>
+          </a:p>
+        </p:txBody>
+      </p:sp>
+      <p:pic>
+        <p:nvPicPr>
+          <p:cNvPr id="4" name="Graphic 3" descr="Run with solid fill">
+            <a:extLst>
+              <a:ext uri="{FF2B5EF4-FFF2-40B4-BE49-F238E27FC236}">
+                <a16:creationId xmlns:a16="http://schemas.microsoft.com/office/drawing/2014/main" id="{8CF5DF6E-157F-4693-8AC9-A377B662132D}"/>
+              </a:ext>
+            </a:extLst>
+          </p:cNvPr>
+          <p:cNvPicPr>
+            <a:picLocks noChangeAspect="1"/>
+          </p:cNvPicPr>
+          <p:nvPr/>
+        </p:nvPicPr>
+        <p:blipFill>
+          <a:blip r:embed="rId2">
+            <a:extLst>
+              <a:ext uri="{96DAC541-7B7A-43D3-8B79-37D633B846F1}">
+                <asvg:svgBlip xmlns:asvg="http://schemas.microsoft.com/office/drawing/2016/SVG/main" r:embed="rId3"/>
+              </a:ext>
+            </a:extLst>
+          </a:blip>
+          <a:stretch>
+            <a:fillRect/>
+          </a:stretch>
+        </p:blipFill>
+        <p:spPr>
+          <a:xfrm>
+            <a:off x="10594237" y="0"/>
+            <a:ext cx="1709928" cy="1709928"/>
+          </a:xfrm>
+          <a:prstGeom prst="rect">
+            <a:avLst/>
+          </a:prstGeom>
+        </p:spPr>
+      </p:pic>
+    </p:spTree>
+    <p:extLst>
+      <p:ext uri="{BB962C8B-B14F-4D97-AF65-F5344CB8AC3E}">
+        <p14:creationId xmlns:p14="http://schemas.microsoft.com/office/powerpoint/2010/main" val="3135904230"/>
+      </p:ext>
+    </p:extLst>
+  </p:cSld>
+  <p:clrMapOvr>
+    <a:masterClrMapping/>
+  </p:clrMapOvr>
+  <mc:AlternateContent xmlns:mc="http://schemas.openxmlformats.org/markup-compatibility/2006">
+    <mc:Choice xmlns:p14="http://schemas.microsoft.com/office/powerpoint/2010/main" Requires="p14">
+      <p:transition spd="med" p14:dur="700">
+        <p:fade/>
+      </p:transition>
+    </mc:Choice>
+    <mc:Fallback>
+      <p:transition spd="med">
+        <p:fade/>
+      </p:transition>
+    </mc:Fallback>
+  </mc:AlternateContent>
+</p:sld>
+</file>
+
+<file path=ppt/slides/slide27.xml><?xml version="1.0" encoding="utf-8"?>
+<p:sld xmlns:a="http://schemas.openxmlformats.org/drawingml/2006/main" xmlns:r="http://schemas.openxmlformats.org/officeDocument/2006/relationships" xmlns:p="http://schemas.openxmlformats.org/presentationml/2006/main">
+  <p:cSld>
+    <p:spTree>
+      <p:nvGrpSpPr>
+        <p:cNvPr id="1" name=""/>
+        <p:cNvGrpSpPr/>
+        <p:nvPr/>
+      </p:nvGrpSpPr>
+      <p:grpSpPr>
+        <a:xfrm>
+          <a:off x="0" y="0"/>
+          <a:ext cx="0" cy="0"/>
+          <a:chOff x="0" y="0"/>
+          <a:chExt cx="0" cy="0"/>
+        </a:xfrm>
+      </p:grpSpPr>
+      <p:sp>
+        <p:nvSpPr>
+          <p:cNvPr id="2" name="Title 1">
+            <a:extLst>
+              <a:ext uri="{FF2B5EF4-FFF2-40B4-BE49-F238E27FC236}">
+                <a16:creationId xmlns:a16="http://schemas.microsoft.com/office/drawing/2014/main" id="{251368EB-337E-4B06-AEF0-6BFEAE626841}"/>
+              </a:ext>
+            </a:extLst>
+          </p:cNvPr>
+          <p:cNvSpPr>
+            <a:spLocks noGrp="1"/>
+          </p:cNvSpPr>
+          <p:nvPr>
+            <p:ph type="title"/>
+          </p:nvPr>
+        </p:nvSpPr>
+        <p:spPr/>
+        <p:txBody>
+          <a:bodyPr/>
+          <a:lstStyle/>
+          <a:p>
+            <a:r>
+              <a:rPr lang="en-US" dirty="0"/>
               <a:t>Run: C# bot</a:t>
             </a:r>
           </a:p>
@@ -21808,25 +22970,41 @@
         <p:spPr/>
         <p:txBody>
           <a:bodyPr>
-            <a:normAutofit lnSpcReduction="10000"/>
+            <a:normAutofit fontScale="92500"/>
           </a:bodyPr>
           <a:lstStyle/>
           <a:p>
             <a:r>
               <a:rPr lang="en-US" dirty="0"/>
-              <a:t>Creates an HTTP endpoint (URL) that can be called from any system</a:t>
-            </a:r>
-          </a:p>
-          <a:p>
+              <a:t>Creates an HTTP endpoint (URL) that can be </a:t>
+            </a:r>
+            <a:r>
+              <a:rPr lang="en-US" b="1" dirty="0"/>
+              <a:t>called from any system</a:t>
+            </a:r>
+          </a:p>
+          <a:p>
+            <a:r>
+              <a:rPr lang="en-US" b="1" dirty="0"/>
+              <a:t>REST API hosting costs</a:t>
+            </a:r>
             <a:r>
               <a:rPr lang="en-US" dirty="0"/>
-              <a:t>Azure usage (bot, web application)</a:t>
+              <a:t>, i.e. Azure usage (bot, web application)</a:t>
             </a:r>
           </a:p>
           <a:p>
             <a:r>
               <a:rPr lang="en-US" dirty="0"/>
-              <a:t>Message comes from your bot (which you can brand)</a:t>
+              <a:t>Message comes from your bot (which </a:t>
+            </a:r>
+            <a:r>
+              <a:rPr lang="en-US" b="1" dirty="0"/>
+              <a:t>you can brand</a:t>
+            </a:r>
+            <a:r>
+              <a:rPr lang="en-US" dirty="0"/>
+              <a:t>)</a:t>
             </a:r>
           </a:p>
           <a:p>
@@ -21838,8 +23016,12 @@
           </a:p>
           <a:p>
             <a:r>
+              <a:rPr lang="en-US" b="1" dirty="0"/>
+              <a:t>Must install bot</a:t>
+            </a:r>
+            <a:r>
               <a:rPr lang="en-US" dirty="0"/>
-              <a:t>Must install bot for every channel/user you want to notify</a:t>
+              <a:t> for every channel/user you want to notify</a:t>
             </a:r>
           </a:p>
           <a:p>
@@ -21859,7 +23041,15 @@
           <a:p>
             <a:r>
               <a:rPr lang="en-US" dirty="0"/>
-              <a:t>Supports Adaptive Cards (</a:t>
+              <a:t>Supports </a:t>
+            </a:r>
+            <a:r>
+              <a:rPr lang="en-US" b="1" dirty="0"/>
+              <a:t>Adaptive Cards </a:t>
+            </a:r>
+            <a:r>
+              <a:rPr lang="en-US" dirty="0"/>
+              <a:t>(</a:t>
             </a:r>
             <a:r>
               <a:rPr lang="en-US" dirty="0">
@@ -21890,13 +23080,17 @@
           </a:p>
           <a:p>
             <a:r>
+              <a:rPr lang="en-US" b="1" dirty="0"/>
+              <a:t>Flexibility to do other actions </a:t>
+            </a:r>
+            <a:r>
               <a:rPr lang="en-US" dirty="0"/>
-              <a:t>Flexibility to do other actions on top of posting messages (call Graph APIs, etc.)</a:t>
-            </a:r>
-          </a:p>
-          <a:p>
-            <a:r>
-              <a:rPr lang="en-US" dirty="0"/>
+              <a:t>on top of posting messages (call Graph APIs, etc.)</a:t>
+            </a:r>
+          </a:p>
+          <a:p>
+            <a:r>
+              <a:rPr lang="en-US" b="1" dirty="0"/>
               <a:t>Developer needed</a:t>
             </a:r>
           </a:p>
@@ -22007,7 +23201,7 @@
 </p:sld>
 </file>
 
-<file path=ppt/slides/slide24.xml><?xml version="1.0" encoding="utf-8"?>
+<file path=ppt/slides/slide28.xml><?xml version="1.0" encoding="utf-8"?>
 <p:sld xmlns:a="http://schemas.openxmlformats.org/drawingml/2006/main" xmlns:r="http://schemas.openxmlformats.org/officeDocument/2006/relationships" xmlns:p="http://schemas.openxmlformats.org/presentationml/2006/main">
   <p:cSld>
     <p:spTree>
@@ -22038,10 +23232,15 @@
           </p:cNvGraphicFramePr>
           <p:nvPr>
             <p:ph sz="quarter" idx="10"/>
+            <p:extLst>
+              <p:ext uri="{D42A27DB-BD31-4B8C-83A1-F6EECF244321}">
+                <p14:modId xmlns:p14="http://schemas.microsoft.com/office/powerpoint/2010/main" val="1098267157"/>
+              </p:ext>
+            </p:extLst>
           </p:nvPr>
         </p:nvGraphicFramePr>
         <p:xfrm>
-          <a:off x="227463" y="1648418"/>
+          <a:off x="227463" y="1468030"/>
           <a:ext cx="11737073" cy="4521200"/>
         </p:xfrm>
         <a:graphic>
@@ -22319,7 +23518,7 @@
                       <a:pPr algn="ctr"/>
                       <a:r>
                         <a:rPr lang="en-US" dirty="0"/>
-                        <a:t>X</a:t>
+                        <a:t>***</a:t>
                       </a:r>
                     </a:p>
                   </a:txBody>
@@ -22882,8 +24081,8 @@
         </p:nvSpPr>
         <p:spPr>
           <a:xfrm>
-            <a:off x="0" y="6334780"/>
-            <a:ext cx="9241312" cy="523220"/>
+            <a:off x="0" y="6154392"/>
+            <a:ext cx="9954200" cy="738664"/>
           </a:xfrm>
           <a:prstGeom prst="rect">
             <a:avLst/>
@@ -22907,6 +24106,12 @@
               <a:t>** You have to install your bot for each Team/user you want to notify, but there is a way to proactively install via automation</a:t>
             </a:r>
           </a:p>
+          <a:p>
+            <a:r>
+              <a:rPr lang="en-US" sz="1400" dirty="0"/>
+              <a:t>*** REST API hosting (i.e. in Azure)</a:t>
+            </a:r>
+          </a:p>
         </p:txBody>
       </p:sp>
       <p:pic>
@@ -22937,7 +24142,7 @@
         </p:blipFill>
         <p:spPr>
           <a:xfrm>
-            <a:off x="3484312" y="276818"/>
+            <a:off x="3484312" y="96430"/>
             <a:ext cx="1371600" cy="1371600"/>
           </a:xfrm>
           <a:prstGeom prst="rect">
@@ -22973,7 +24178,7 @@
         </p:blipFill>
         <p:spPr>
           <a:xfrm>
-            <a:off x="5786086" y="276818"/>
+            <a:off x="5786086" y="96430"/>
             <a:ext cx="1371600" cy="1371600"/>
           </a:xfrm>
           <a:prstGeom prst="rect">
@@ -23009,7 +24214,7 @@
         </p:blipFill>
         <p:spPr>
           <a:xfrm>
-            <a:off x="10321985" y="276818"/>
+            <a:off x="10321985" y="96430"/>
             <a:ext cx="1371600" cy="1371600"/>
           </a:xfrm>
           <a:prstGeom prst="rect">
@@ -23019,10 +24224,10 @@
       </p:pic>
       <p:pic>
         <p:nvPicPr>
-          <p:cNvPr id="27" name="Graphic 26" descr="Run outline">
+          <p:cNvPr id="2" name="Graphic 1" descr="Run outline">
             <a:extLst>
               <a:ext uri="{FF2B5EF4-FFF2-40B4-BE49-F238E27FC236}">
-                <a16:creationId xmlns:a16="http://schemas.microsoft.com/office/drawing/2014/main" id="{2CE91773-6975-46BA-9D22-92167EE1C30B}"/>
+                <a16:creationId xmlns:a16="http://schemas.microsoft.com/office/drawing/2014/main" id="{33045E58-9AF7-4F5B-9BE8-541E6216F728}"/>
               </a:ext>
             </a:extLst>
           </p:cNvPr>
@@ -23044,8 +24249,8 @@
           </a:stretch>
         </p:blipFill>
         <p:spPr>
-          <a:xfrm>
-            <a:off x="8202481" y="276818"/>
+          <a:xfrm rot="20313024">
+            <a:off x="8103273" y="179366"/>
             <a:ext cx="1371600" cy="1371600"/>
           </a:xfrm>
           <a:prstGeom prst="rect">
@@ -23069,7 +24274,7 @@
 </p:sld>
 </file>
 
-<file path=ppt/slides/slide25.xml><?xml version="1.0" encoding="utf-8"?>
+<file path=ppt/slides/slide29.xml><?xml version="1.0" encoding="utf-8"?>
 <p:sld xmlns:a="http://schemas.openxmlformats.org/drawingml/2006/main" xmlns:r="http://schemas.openxmlformats.org/officeDocument/2006/relationships" xmlns:p="http://schemas.openxmlformats.org/presentationml/2006/main">
   <p:cSld>
     <p:spTree>
@@ -23496,10 +24701,10 @@
       </p:pic>
       <p:pic>
         <p:nvPicPr>
-          <p:cNvPr id="15" name="Graphic 14" descr="Run outline">
+          <p:cNvPr id="6" name="Graphic 5" descr="Run outline">
             <a:extLst>
               <a:ext uri="{FF2B5EF4-FFF2-40B4-BE49-F238E27FC236}">
-                <a16:creationId xmlns:a16="http://schemas.microsoft.com/office/drawing/2014/main" id="{5F51DEB6-B26F-4C6A-87D1-1AFD48875215}"/>
+                <a16:creationId xmlns:a16="http://schemas.microsoft.com/office/drawing/2014/main" id="{E1965909-2F90-42A4-91C6-CAD35D2AC9A8}"/>
               </a:ext>
             </a:extLst>
           </p:cNvPr>
@@ -23521,8 +24726,8 @@
           </a:stretch>
         </p:blipFill>
         <p:spPr>
-          <a:xfrm>
-            <a:off x="7935781" y="1554480"/>
+          <a:xfrm rot="20313024">
+            <a:off x="7775824" y="1641158"/>
             <a:ext cx="1371600" cy="1371600"/>
           </a:xfrm>
           <a:prstGeom prst="rect">
@@ -23546,7 +24751,330 @@
 </p:sld>
 </file>
 
-<file path=ppt/slides/slide26.xml><?xml version="1.0" encoding="utf-8"?>
+<file path=ppt/slides/slide3.xml><?xml version="1.0" encoding="utf-8"?>
+<p:sld xmlns:a="http://schemas.openxmlformats.org/drawingml/2006/main" xmlns:r="http://schemas.openxmlformats.org/officeDocument/2006/relationships" xmlns:p="http://schemas.openxmlformats.org/presentationml/2006/main">
+  <p:cSld>
+    <p:spTree>
+      <p:nvGrpSpPr>
+        <p:cNvPr id="1" name=""/>
+        <p:cNvGrpSpPr/>
+        <p:nvPr/>
+      </p:nvGrpSpPr>
+      <p:grpSpPr>
+        <a:xfrm>
+          <a:off x="0" y="0"/>
+          <a:ext cx="0" cy="0"/>
+          <a:chOff x="0" y="0"/>
+          <a:chExt cx="0" cy="0"/>
+        </a:xfrm>
+      </p:grpSpPr>
+      <p:sp>
+        <p:nvSpPr>
+          <p:cNvPr id="4" name="Title 3"/>
+          <p:cNvSpPr>
+            <a:spLocks noGrp="1"/>
+          </p:cNvSpPr>
+          <p:nvPr>
+            <p:ph type="title"/>
+          </p:nvPr>
+        </p:nvSpPr>
+        <p:spPr>
+          <a:xfrm>
+            <a:off x="584199" y="2979778"/>
+            <a:ext cx="10146005" cy="553998"/>
+          </a:xfrm>
+        </p:spPr>
+        <p:txBody>
+          <a:bodyPr/>
+          <a:lstStyle/>
+          <a:p>
+            <a:r>
+              <a:rPr lang="en-US" dirty="0"/>
+              <a:t>Automating messages in Teams: Crawl, Walk, Run</a:t>
+            </a:r>
+          </a:p>
+        </p:txBody>
+      </p:sp>
+      <p:sp>
+        <p:nvSpPr>
+          <p:cNvPr id="5" name="Text Placeholder 4"/>
+          <p:cNvSpPr>
+            <a:spLocks noGrp="1"/>
+          </p:cNvSpPr>
+          <p:nvPr>
+            <p:ph type="body" sz="quarter" idx="12"/>
+          </p:nvPr>
+        </p:nvSpPr>
+        <p:spPr/>
+        <p:txBody>
+          <a:bodyPr/>
+          <a:lstStyle/>
+          <a:p>
+            <a:r>
+              <a:rPr lang="en-US" dirty="0"/>
+              <a:t>Corey Buzzell</a:t>
+            </a:r>
+          </a:p>
+          <a:p>
+            <a:r>
+              <a:rPr lang="en-US" dirty="0"/>
+              <a:t>Principal Architect</a:t>
+            </a:r>
+          </a:p>
+          <a:p>
+            <a:r>
+              <a:rPr lang="en-US" dirty="0"/>
+              <a:t>Microsoft Technology Center, Minneapolis</a:t>
+            </a:r>
+          </a:p>
+        </p:txBody>
+      </p:sp>
+      <p:sp>
+        <p:nvSpPr>
+          <p:cNvPr id="2" name="Text Placeholder 4">
+            <a:extLst>
+              <a:ext uri="{FF2B5EF4-FFF2-40B4-BE49-F238E27FC236}">
+                <a16:creationId xmlns:a16="http://schemas.microsoft.com/office/drawing/2014/main" id="{4668E674-B766-40DD-99D4-13AC03D07220}"/>
+              </a:ext>
+            </a:extLst>
+          </p:cNvPr>
+          <p:cNvSpPr txBox="1">
+            <a:spLocks/>
+          </p:cNvSpPr>
+          <p:nvPr/>
+        </p:nvSpPr>
+        <p:spPr>
+          <a:xfrm>
+            <a:off x="584200" y="6123991"/>
+            <a:ext cx="11079066" cy="492443"/>
+          </a:xfrm>
+          <a:prstGeom prst="rect">
+            <a:avLst/>
+          </a:prstGeom>
+          <a:solidFill>
+            <a:srgbClr val="FFC000"/>
+          </a:solidFill>
+          <a:ln>
+            <a:solidFill>
+              <a:srgbClr val="FFC000"/>
+            </a:solidFill>
+          </a:ln>
+        </p:spPr>
+        <p:txBody>
+          <a:bodyPr vert="horz" wrap="square" lIns="0" tIns="0" rIns="0" bIns="0" rtlCol="0">
+            <a:spAutoFit/>
+          </a:bodyPr>
+          <a:lstStyle>
+            <a:lvl1pPr marL="0" marR="0" indent="0" algn="l" defTabSz="932742" rtl="0" eaLnBrk="1" fontAlgn="auto" latinLnBrk="0" hangingPunct="1">
+              <a:lnSpc>
+                <a:spcPct val="100000"/>
+              </a:lnSpc>
+              <a:spcBef>
+                <a:spcPts val="0"/>
+              </a:spcBef>
+              <a:spcAft>
+                <a:spcPts val="0"/>
+              </a:spcAft>
+              <a:buClrTx/>
+              <a:buSzPct val="90000"/>
+              <a:buFont typeface="Wingdings" panose="05000000000000000000" pitchFamily="2" charset="2"/>
+              <a:buNone/>
+              <a:tabLst/>
+              <a:defRPr sz="2200" kern="1200" spc="0" baseline="0">
+                <a:solidFill>
+                  <a:schemeClr val="tx1"/>
+                </a:solidFill>
+                <a:latin typeface="+mn-lt"/>
+                <a:ea typeface="+mn-ea"/>
+                <a:cs typeface="Segoe UI" panose="020B0502040204020203" pitchFamily="34" charset="0"/>
+              </a:defRPr>
+            </a:lvl1pPr>
+            <a:lvl2pPr marL="457200" marR="0" indent="-228600" algn="l" defTabSz="932742" rtl="0" eaLnBrk="1" fontAlgn="auto" latinLnBrk="0" hangingPunct="1">
+              <a:lnSpc>
+                <a:spcPct val="100000"/>
+              </a:lnSpc>
+              <a:spcBef>
+                <a:spcPct val="20000"/>
+              </a:spcBef>
+              <a:spcAft>
+                <a:spcPts val="0"/>
+              </a:spcAft>
+              <a:buClrTx/>
+              <a:buSzPct val="90000"/>
+              <a:buFont typeface="Wingdings" panose="05000000000000000000" pitchFamily="2" charset="2"/>
+              <a:buChar char=""/>
+              <a:tabLst/>
+              <a:defRPr sz="2000" kern="1200" spc="0" baseline="0">
+                <a:solidFill>
+                  <a:schemeClr val="tx1"/>
+                </a:solidFill>
+                <a:latin typeface="+mn-lt"/>
+                <a:ea typeface="+mn-ea"/>
+                <a:cs typeface="+mn-cs"/>
+              </a:defRPr>
+            </a:lvl2pPr>
+            <a:lvl3pPr marL="657225" marR="0" indent="-200025" algn="l" defTabSz="932742" rtl="0" eaLnBrk="1" fontAlgn="auto" latinLnBrk="0" hangingPunct="1">
+              <a:lnSpc>
+                <a:spcPct val="100000"/>
+              </a:lnSpc>
+              <a:spcBef>
+                <a:spcPct val="20000"/>
+              </a:spcBef>
+              <a:spcAft>
+                <a:spcPts val="0"/>
+              </a:spcAft>
+              <a:buClrTx/>
+              <a:buSzPct val="90000"/>
+              <a:buFont typeface="Wingdings" panose="05000000000000000000" pitchFamily="2" charset="2"/>
+              <a:buChar char=""/>
+              <a:tabLst/>
+              <a:defRPr sz="1600" kern="1200" spc="0" baseline="0">
+                <a:solidFill>
+                  <a:schemeClr val="tx1"/>
+                </a:solidFill>
+                <a:latin typeface="+mn-lt"/>
+                <a:ea typeface="+mn-ea"/>
+                <a:cs typeface="+mn-cs"/>
+              </a:defRPr>
+            </a:lvl3pPr>
+            <a:lvl4pPr marL="842963" marR="0" indent="-180975" algn="l" defTabSz="932742" rtl="0" eaLnBrk="1" fontAlgn="auto" latinLnBrk="0" hangingPunct="1">
+              <a:lnSpc>
+                <a:spcPct val="100000"/>
+              </a:lnSpc>
+              <a:spcBef>
+                <a:spcPct val="20000"/>
+              </a:spcBef>
+              <a:spcAft>
+                <a:spcPts val="0"/>
+              </a:spcAft>
+              <a:buClrTx/>
+              <a:buSzPct val="90000"/>
+              <a:buFont typeface="Wingdings" panose="05000000000000000000" pitchFamily="2" charset="2"/>
+              <a:buChar char=""/>
+              <a:tabLst/>
+              <a:defRPr sz="1400" kern="1200" spc="0" baseline="0">
+                <a:solidFill>
+                  <a:schemeClr val="tx1"/>
+                </a:solidFill>
+                <a:latin typeface="+mn-lt"/>
+                <a:ea typeface="+mn-ea"/>
+                <a:cs typeface="+mn-cs"/>
+              </a:defRPr>
+            </a:lvl4pPr>
+            <a:lvl5pPr marL="1023938" marR="0" indent="-168275" algn="l" defTabSz="932742" rtl="0" eaLnBrk="1" fontAlgn="auto" latinLnBrk="0" hangingPunct="1">
+              <a:lnSpc>
+                <a:spcPct val="100000"/>
+              </a:lnSpc>
+              <a:spcBef>
+                <a:spcPct val="20000"/>
+              </a:spcBef>
+              <a:spcAft>
+                <a:spcPts val="0"/>
+              </a:spcAft>
+              <a:buClrTx/>
+              <a:buSzPct val="90000"/>
+              <a:buFont typeface="Wingdings" panose="05000000000000000000" pitchFamily="2" charset="2"/>
+              <a:buChar char=""/>
+              <a:tabLst/>
+              <a:defRPr sz="1400" kern="1200" spc="0" baseline="0">
+                <a:solidFill>
+                  <a:schemeClr val="tx1"/>
+                </a:solidFill>
+                <a:latin typeface="+mn-lt"/>
+                <a:ea typeface="+mn-ea"/>
+                <a:cs typeface="+mn-cs"/>
+              </a:defRPr>
+            </a:lvl5pPr>
+            <a:lvl6pPr marL="2565040" indent="-233186" algn="l" defTabSz="932742" rtl="0" eaLnBrk="1" latinLnBrk="0" hangingPunct="1">
+              <a:spcBef>
+                <a:spcPct val="20000"/>
+              </a:spcBef>
+              <a:buFont typeface="Arial" pitchFamily="34" charset="0"/>
+              <a:buChar char="•"/>
+              <a:defRPr sz="2000" kern="1200">
+                <a:solidFill>
+                  <a:schemeClr val="tx1"/>
+                </a:solidFill>
+                <a:latin typeface="+mn-lt"/>
+                <a:ea typeface="+mn-ea"/>
+                <a:cs typeface="+mn-cs"/>
+              </a:defRPr>
+            </a:lvl6pPr>
+            <a:lvl7pPr marL="3031412" indent="-233186" algn="l" defTabSz="932742" rtl="0" eaLnBrk="1" latinLnBrk="0" hangingPunct="1">
+              <a:spcBef>
+                <a:spcPct val="20000"/>
+              </a:spcBef>
+              <a:buFont typeface="Arial" pitchFamily="34" charset="0"/>
+              <a:buChar char="•"/>
+              <a:defRPr sz="2000" kern="1200">
+                <a:solidFill>
+                  <a:schemeClr val="tx1"/>
+                </a:solidFill>
+                <a:latin typeface="+mn-lt"/>
+                <a:ea typeface="+mn-ea"/>
+                <a:cs typeface="+mn-cs"/>
+              </a:defRPr>
+            </a:lvl7pPr>
+            <a:lvl8pPr marL="3497783" indent="-233186" algn="l" defTabSz="932742" rtl="0" eaLnBrk="1" latinLnBrk="0" hangingPunct="1">
+              <a:spcBef>
+                <a:spcPct val="20000"/>
+              </a:spcBef>
+              <a:buFont typeface="Arial" pitchFamily="34" charset="0"/>
+              <a:buChar char="•"/>
+              <a:defRPr sz="2000" kern="1200">
+                <a:solidFill>
+                  <a:schemeClr val="tx1"/>
+                </a:solidFill>
+                <a:latin typeface="+mn-lt"/>
+                <a:ea typeface="+mn-ea"/>
+                <a:cs typeface="+mn-cs"/>
+              </a:defRPr>
+            </a:lvl8pPr>
+            <a:lvl9pPr marL="3964155" indent="-233186" algn="l" defTabSz="932742" rtl="0" eaLnBrk="1" latinLnBrk="0" hangingPunct="1">
+              <a:spcBef>
+                <a:spcPct val="20000"/>
+              </a:spcBef>
+              <a:buFont typeface="Arial" pitchFamily="34" charset="0"/>
+              <a:buChar char="•"/>
+              <a:defRPr sz="2000" kern="1200">
+                <a:solidFill>
+                  <a:schemeClr val="tx1"/>
+                </a:solidFill>
+                <a:latin typeface="+mn-lt"/>
+                <a:ea typeface="+mn-ea"/>
+                <a:cs typeface="+mn-cs"/>
+              </a:defRPr>
+            </a:lvl9pPr>
+          </a:lstStyle>
+          <a:p>
+            <a:r>
+              <a:rPr lang="en-US" sz="3200" dirty="0">
+                <a:solidFill>
+                  <a:schemeClr val="bg1"/>
+                </a:solidFill>
+              </a:rPr>
+              <a:t>  Download this deck now at https://aka.ms/AutoMsgs  </a:t>
+            </a:r>
+          </a:p>
+        </p:txBody>
+      </p:sp>
+    </p:spTree>
+    <p:extLst>
+      <p:ext uri="{BB962C8B-B14F-4D97-AF65-F5344CB8AC3E}">
+        <p14:creationId xmlns:p14="http://schemas.microsoft.com/office/powerpoint/2010/main" val="1149133041"/>
+      </p:ext>
+    </p:extLst>
+  </p:cSld>
+  <p:clrMapOvr>
+    <a:masterClrMapping/>
+  </p:clrMapOvr>
+  <p:transition>
+    <p:fade/>
+  </p:transition>
+</p:sld>
+</file>
+
+<file path=ppt/slides/slide30.xml><?xml version="1.0" encoding="utf-8"?>
 <p:sld xmlns:a="http://schemas.openxmlformats.org/drawingml/2006/main" xmlns:r="http://schemas.openxmlformats.org/officeDocument/2006/relationships" xmlns:p="http://schemas.openxmlformats.org/presentationml/2006/main">
   <p:cSld>
     <p:spTree>
@@ -24013,7 +25541,7 @@
 </p:sld>
 </file>
 
-<file path=ppt/slides/slide27.xml><?xml version="1.0" encoding="utf-8"?>
+<file path=ppt/slides/slide31.xml><?xml version="1.0" encoding="utf-8"?>
 <p:sld xmlns:a="http://schemas.openxmlformats.org/drawingml/2006/main" xmlns:r="http://schemas.openxmlformats.org/officeDocument/2006/relationships" xmlns:p="http://schemas.openxmlformats.org/presentationml/2006/main">
   <p:cSld>
     <p:spTree>
@@ -24129,329 +25657,6 @@
     <p:extLst>
       <p:ext uri="{BB962C8B-B14F-4D97-AF65-F5344CB8AC3E}">
         <p14:creationId xmlns:p14="http://schemas.microsoft.com/office/powerpoint/2010/main" val="485136084"/>
-      </p:ext>
-    </p:extLst>
-  </p:cSld>
-  <p:clrMapOvr>
-    <a:masterClrMapping/>
-  </p:clrMapOvr>
-  <p:transition>
-    <p:fade/>
-  </p:transition>
-</p:sld>
-</file>
-
-<file path=ppt/slides/slide3.xml><?xml version="1.0" encoding="utf-8"?>
-<p:sld xmlns:a="http://schemas.openxmlformats.org/drawingml/2006/main" xmlns:r="http://schemas.openxmlformats.org/officeDocument/2006/relationships" xmlns:p="http://schemas.openxmlformats.org/presentationml/2006/main">
-  <p:cSld>
-    <p:spTree>
-      <p:nvGrpSpPr>
-        <p:cNvPr id="1" name=""/>
-        <p:cNvGrpSpPr/>
-        <p:nvPr/>
-      </p:nvGrpSpPr>
-      <p:grpSpPr>
-        <a:xfrm>
-          <a:off x="0" y="0"/>
-          <a:ext cx="0" cy="0"/>
-          <a:chOff x="0" y="0"/>
-          <a:chExt cx="0" cy="0"/>
-        </a:xfrm>
-      </p:grpSpPr>
-      <p:sp>
-        <p:nvSpPr>
-          <p:cNvPr id="4" name="Title 3"/>
-          <p:cNvSpPr>
-            <a:spLocks noGrp="1"/>
-          </p:cNvSpPr>
-          <p:nvPr>
-            <p:ph type="title"/>
-          </p:nvPr>
-        </p:nvSpPr>
-        <p:spPr>
-          <a:xfrm>
-            <a:off x="584199" y="2979778"/>
-            <a:ext cx="10146005" cy="553998"/>
-          </a:xfrm>
-        </p:spPr>
-        <p:txBody>
-          <a:bodyPr/>
-          <a:lstStyle/>
-          <a:p>
-            <a:r>
-              <a:rPr lang="en-US" dirty="0"/>
-              <a:t>Automating messages in Teams: Crawl, Walk, Run</a:t>
-            </a:r>
-          </a:p>
-        </p:txBody>
-      </p:sp>
-      <p:sp>
-        <p:nvSpPr>
-          <p:cNvPr id="5" name="Text Placeholder 4"/>
-          <p:cNvSpPr>
-            <a:spLocks noGrp="1"/>
-          </p:cNvSpPr>
-          <p:nvPr>
-            <p:ph type="body" sz="quarter" idx="12"/>
-          </p:nvPr>
-        </p:nvSpPr>
-        <p:spPr/>
-        <p:txBody>
-          <a:bodyPr/>
-          <a:lstStyle/>
-          <a:p>
-            <a:r>
-              <a:rPr lang="en-US" dirty="0"/>
-              <a:t>Corey Buzzell</a:t>
-            </a:r>
-          </a:p>
-          <a:p>
-            <a:r>
-              <a:rPr lang="en-US" dirty="0"/>
-              <a:t>Principal Architect</a:t>
-            </a:r>
-          </a:p>
-          <a:p>
-            <a:r>
-              <a:rPr lang="en-US" dirty="0"/>
-              <a:t>Microsoft Technology Center, Minneapolis</a:t>
-            </a:r>
-          </a:p>
-        </p:txBody>
-      </p:sp>
-      <p:sp>
-        <p:nvSpPr>
-          <p:cNvPr id="2" name="Text Placeholder 4">
-            <a:extLst>
-              <a:ext uri="{FF2B5EF4-FFF2-40B4-BE49-F238E27FC236}">
-                <a16:creationId xmlns:a16="http://schemas.microsoft.com/office/drawing/2014/main" id="{4668E674-B766-40DD-99D4-13AC03D07220}"/>
-              </a:ext>
-            </a:extLst>
-          </p:cNvPr>
-          <p:cNvSpPr txBox="1">
-            <a:spLocks/>
-          </p:cNvSpPr>
-          <p:nvPr/>
-        </p:nvSpPr>
-        <p:spPr>
-          <a:xfrm>
-            <a:off x="584200" y="6123991"/>
-            <a:ext cx="11079066" cy="492443"/>
-          </a:xfrm>
-          <a:prstGeom prst="rect">
-            <a:avLst/>
-          </a:prstGeom>
-          <a:solidFill>
-            <a:srgbClr val="FFC000"/>
-          </a:solidFill>
-          <a:ln>
-            <a:solidFill>
-              <a:srgbClr val="FFC000"/>
-            </a:solidFill>
-          </a:ln>
-        </p:spPr>
-        <p:txBody>
-          <a:bodyPr vert="horz" wrap="square" lIns="0" tIns="0" rIns="0" bIns="0" rtlCol="0">
-            <a:spAutoFit/>
-          </a:bodyPr>
-          <a:lstStyle>
-            <a:lvl1pPr marL="0" marR="0" indent="0" algn="l" defTabSz="932742" rtl="0" eaLnBrk="1" fontAlgn="auto" latinLnBrk="0" hangingPunct="1">
-              <a:lnSpc>
-                <a:spcPct val="100000"/>
-              </a:lnSpc>
-              <a:spcBef>
-                <a:spcPts val="0"/>
-              </a:spcBef>
-              <a:spcAft>
-                <a:spcPts val="0"/>
-              </a:spcAft>
-              <a:buClrTx/>
-              <a:buSzPct val="90000"/>
-              <a:buFont typeface="Wingdings" panose="05000000000000000000" pitchFamily="2" charset="2"/>
-              <a:buNone/>
-              <a:tabLst/>
-              <a:defRPr sz="2200" kern="1200" spc="0" baseline="0">
-                <a:solidFill>
-                  <a:schemeClr val="tx1"/>
-                </a:solidFill>
-                <a:latin typeface="+mn-lt"/>
-                <a:ea typeface="+mn-ea"/>
-                <a:cs typeface="Segoe UI" panose="020B0502040204020203" pitchFamily="34" charset="0"/>
-              </a:defRPr>
-            </a:lvl1pPr>
-            <a:lvl2pPr marL="457200" marR="0" indent="-228600" algn="l" defTabSz="932742" rtl="0" eaLnBrk="1" fontAlgn="auto" latinLnBrk="0" hangingPunct="1">
-              <a:lnSpc>
-                <a:spcPct val="100000"/>
-              </a:lnSpc>
-              <a:spcBef>
-                <a:spcPct val="20000"/>
-              </a:spcBef>
-              <a:spcAft>
-                <a:spcPts val="0"/>
-              </a:spcAft>
-              <a:buClrTx/>
-              <a:buSzPct val="90000"/>
-              <a:buFont typeface="Wingdings" panose="05000000000000000000" pitchFamily="2" charset="2"/>
-              <a:buChar char=""/>
-              <a:tabLst/>
-              <a:defRPr sz="2000" kern="1200" spc="0" baseline="0">
-                <a:solidFill>
-                  <a:schemeClr val="tx1"/>
-                </a:solidFill>
-                <a:latin typeface="+mn-lt"/>
-                <a:ea typeface="+mn-ea"/>
-                <a:cs typeface="+mn-cs"/>
-              </a:defRPr>
-            </a:lvl2pPr>
-            <a:lvl3pPr marL="657225" marR="0" indent="-200025" algn="l" defTabSz="932742" rtl="0" eaLnBrk="1" fontAlgn="auto" latinLnBrk="0" hangingPunct="1">
-              <a:lnSpc>
-                <a:spcPct val="100000"/>
-              </a:lnSpc>
-              <a:spcBef>
-                <a:spcPct val="20000"/>
-              </a:spcBef>
-              <a:spcAft>
-                <a:spcPts val="0"/>
-              </a:spcAft>
-              <a:buClrTx/>
-              <a:buSzPct val="90000"/>
-              <a:buFont typeface="Wingdings" panose="05000000000000000000" pitchFamily="2" charset="2"/>
-              <a:buChar char=""/>
-              <a:tabLst/>
-              <a:defRPr sz="1600" kern="1200" spc="0" baseline="0">
-                <a:solidFill>
-                  <a:schemeClr val="tx1"/>
-                </a:solidFill>
-                <a:latin typeface="+mn-lt"/>
-                <a:ea typeface="+mn-ea"/>
-                <a:cs typeface="+mn-cs"/>
-              </a:defRPr>
-            </a:lvl3pPr>
-            <a:lvl4pPr marL="842963" marR="0" indent="-180975" algn="l" defTabSz="932742" rtl="0" eaLnBrk="1" fontAlgn="auto" latinLnBrk="0" hangingPunct="1">
-              <a:lnSpc>
-                <a:spcPct val="100000"/>
-              </a:lnSpc>
-              <a:spcBef>
-                <a:spcPct val="20000"/>
-              </a:spcBef>
-              <a:spcAft>
-                <a:spcPts val="0"/>
-              </a:spcAft>
-              <a:buClrTx/>
-              <a:buSzPct val="90000"/>
-              <a:buFont typeface="Wingdings" panose="05000000000000000000" pitchFamily="2" charset="2"/>
-              <a:buChar char=""/>
-              <a:tabLst/>
-              <a:defRPr sz="1400" kern="1200" spc="0" baseline="0">
-                <a:solidFill>
-                  <a:schemeClr val="tx1"/>
-                </a:solidFill>
-                <a:latin typeface="+mn-lt"/>
-                <a:ea typeface="+mn-ea"/>
-                <a:cs typeface="+mn-cs"/>
-              </a:defRPr>
-            </a:lvl4pPr>
-            <a:lvl5pPr marL="1023938" marR="0" indent="-168275" algn="l" defTabSz="932742" rtl="0" eaLnBrk="1" fontAlgn="auto" latinLnBrk="0" hangingPunct="1">
-              <a:lnSpc>
-                <a:spcPct val="100000"/>
-              </a:lnSpc>
-              <a:spcBef>
-                <a:spcPct val="20000"/>
-              </a:spcBef>
-              <a:spcAft>
-                <a:spcPts val="0"/>
-              </a:spcAft>
-              <a:buClrTx/>
-              <a:buSzPct val="90000"/>
-              <a:buFont typeface="Wingdings" panose="05000000000000000000" pitchFamily="2" charset="2"/>
-              <a:buChar char=""/>
-              <a:tabLst/>
-              <a:defRPr sz="1400" kern="1200" spc="0" baseline="0">
-                <a:solidFill>
-                  <a:schemeClr val="tx1"/>
-                </a:solidFill>
-                <a:latin typeface="+mn-lt"/>
-                <a:ea typeface="+mn-ea"/>
-                <a:cs typeface="+mn-cs"/>
-              </a:defRPr>
-            </a:lvl5pPr>
-            <a:lvl6pPr marL="2565040" indent="-233186" algn="l" defTabSz="932742" rtl="0" eaLnBrk="1" latinLnBrk="0" hangingPunct="1">
-              <a:spcBef>
-                <a:spcPct val="20000"/>
-              </a:spcBef>
-              <a:buFont typeface="Arial" pitchFamily="34" charset="0"/>
-              <a:buChar char="•"/>
-              <a:defRPr sz="2000" kern="1200">
-                <a:solidFill>
-                  <a:schemeClr val="tx1"/>
-                </a:solidFill>
-                <a:latin typeface="+mn-lt"/>
-                <a:ea typeface="+mn-ea"/>
-                <a:cs typeface="+mn-cs"/>
-              </a:defRPr>
-            </a:lvl6pPr>
-            <a:lvl7pPr marL="3031412" indent="-233186" algn="l" defTabSz="932742" rtl="0" eaLnBrk="1" latinLnBrk="0" hangingPunct="1">
-              <a:spcBef>
-                <a:spcPct val="20000"/>
-              </a:spcBef>
-              <a:buFont typeface="Arial" pitchFamily="34" charset="0"/>
-              <a:buChar char="•"/>
-              <a:defRPr sz="2000" kern="1200">
-                <a:solidFill>
-                  <a:schemeClr val="tx1"/>
-                </a:solidFill>
-                <a:latin typeface="+mn-lt"/>
-                <a:ea typeface="+mn-ea"/>
-                <a:cs typeface="+mn-cs"/>
-              </a:defRPr>
-            </a:lvl7pPr>
-            <a:lvl8pPr marL="3497783" indent="-233186" algn="l" defTabSz="932742" rtl="0" eaLnBrk="1" latinLnBrk="0" hangingPunct="1">
-              <a:spcBef>
-                <a:spcPct val="20000"/>
-              </a:spcBef>
-              <a:buFont typeface="Arial" pitchFamily="34" charset="0"/>
-              <a:buChar char="•"/>
-              <a:defRPr sz="2000" kern="1200">
-                <a:solidFill>
-                  <a:schemeClr val="tx1"/>
-                </a:solidFill>
-                <a:latin typeface="+mn-lt"/>
-                <a:ea typeface="+mn-ea"/>
-                <a:cs typeface="+mn-cs"/>
-              </a:defRPr>
-            </a:lvl8pPr>
-            <a:lvl9pPr marL="3964155" indent="-233186" algn="l" defTabSz="932742" rtl="0" eaLnBrk="1" latinLnBrk="0" hangingPunct="1">
-              <a:spcBef>
-                <a:spcPct val="20000"/>
-              </a:spcBef>
-              <a:buFont typeface="Arial" pitchFamily="34" charset="0"/>
-              <a:buChar char="•"/>
-              <a:defRPr sz="2000" kern="1200">
-                <a:solidFill>
-                  <a:schemeClr val="tx1"/>
-                </a:solidFill>
-                <a:latin typeface="+mn-lt"/>
-                <a:ea typeface="+mn-ea"/>
-                <a:cs typeface="+mn-cs"/>
-              </a:defRPr>
-            </a:lvl9pPr>
-          </a:lstStyle>
-          <a:p>
-            <a:r>
-              <a:rPr lang="en-US" sz="3200" dirty="0">
-                <a:solidFill>
-                  <a:schemeClr val="bg1"/>
-                </a:solidFill>
-              </a:rPr>
-              <a:t>  Download this deck now at https://aka.ms/cbuzz/AutoMsgs  </a:t>
-            </a:r>
-          </a:p>
-        </p:txBody>
-      </p:sp>
-    </p:spTree>
-    <p:extLst>
-      <p:ext uri="{BB962C8B-B14F-4D97-AF65-F5344CB8AC3E}">
-        <p14:creationId xmlns:p14="http://schemas.microsoft.com/office/powerpoint/2010/main" val="1149133041"/>
       </p:ext>
     </p:extLst>
   </p:cSld>
@@ -24950,8 +26155,8 @@
           </a:stretch>
         </p:blipFill>
         <p:spPr>
-          <a:xfrm>
-            <a:off x="6849931" y="1866162"/>
+          <a:xfrm rot="20313024">
+            <a:off x="6716148" y="1965689"/>
             <a:ext cx="1709928" cy="1709928"/>
           </a:xfrm>
           <a:prstGeom prst="rect">
@@ -25050,7 +26255,7 @@
               <a:rPr lang="en-US" sz="4800" dirty="0">
                 <a:hlinkClick r:id="rId2"/>
               </a:rPr>
-              <a:t>https://aka.ms/cbuzz/survey</a:t>
+              <a:t>https://aka.ms/AutoMsgs/survey</a:t>
             </a:r>
             <a:r>
               <a:rPr lang="en-US" sz="4800" dirty="0"/>
@@ -25411,7 +26616,7 @@
           <p:cNvPr id="2" name="Title 1">
             <a:extLst>
               <a:ext uri="{FF2B5EF4-FFF2-40B4-BE49-F238E27FC236}">
-                <a16:creationId xmlns:a16="http://schemas.microsoft.com/office/drawing/2014/main" id="{E2C88F14-8042-4C94-806D-6CC7B0E8174B}"/>
+                <a16:creationId xmlns:a16="http://schemas.microsoft.com/office/drawing/2014/main" id="{A0767EC5-8A1C-43CF-A06B-5E5200F6FB88}"/>
               </a:ext>
             </a:extLst>
           </p:cNvPr>
@@ -25429,17 +26634,17 @@
           <a:p>
             <a:r>
               <a:rPr lang="en-US" dirty="0"/>
-              <a:t>Crawl: Incoming Webhook</a:t>
+              <a:t>Demo</a:t>
             </a:r>
           </a:p>
         </p:txBody>
       </p:sp>
       <p:sp>
         <p:nvSpPr>
-          <p:cNvPr id="3" name="Content Placeholder 2">
+          <p:cNvPr id="3" name="Text Placeholder 2">
             <a:extLst>
               <a:ext uri="{FF2B5EF4-FFF2-40B4-BE49-F238E27FC236}">
-                <a16:creationId xmlns:a16="http://schemas.microsoft.com/office/drawing/2014/main" id="{0EEDD486-565B-4D78-97DA-6A116C929705}"/>
+                <a16:creationId xmlns:a16="http://schemas.microsoft.com/office/drawing/2014/main" id="{5FAC280D-013B-41D4-933B-6CA5720E6AC5}"/>
               </a:ext>
             </a:extLst>
           </p:cNvPr>
@@ -25447,143 +26652,27 @@
             <a:spLocks noGrp="1"/>
           </p:cNvSpPr>
           <p:nvPr>
-            <p:ph sz="quarter" idx="10"/>
+            <p:ph type="body" sz="quarter" idx="12"/>
           </p:nvPr>
         </p:nvSpPr>
         <p:spPr/>
         <p:txBody>
-          <a:bodyPr>
-            <a:normAutofit lnSpcReduction="10000"/>
-          </a:bodyPr>
+          <a:bodyPr/>
           <a:lstStyle/>
           <a:p>
             <a:r>
               <a:rPr lang="en-US" dirty="0"/>
-              <a:t>Call from any system than knows how to do HTTP POST</a:t>
-            </a:r>
-          </a:p>
-          <a:p>
-            <a:r>
-              <a:rPr lang="en-US" dirty="0"/>
-              <a:t>Included/OOTB connector published by Microsoft</a:t>
-            </a:r>
-          </a:p>
-          <a:p>
-            <a:r>
-              <a:rPr lang="en-US" dirty="0"/>
-              <a:t>Message comes from brandable name/image</a:t>
-            </a:r>
-          </a:p>
-          <a:p>
-            <a:r>
-              <a:rPr lang="en-US" dirty="0"/>
-              <a:t>Configured on a channel, cannot post to person</a:t>
-            </a:r>
-          </a:p>
-          <a:p>
-            <a:r>
-              <a:rPr lang="en-US" dirty="0"/>
-              <a:t>Messages are JSON (actionable message card format)</a:t>
-            </a:r>
-          </a:p>
-          <a:p>
-            <a:r>
-              <a:rPr lang="en-US" dirty="0"/>
-              <a:t>Quick and easy to set up</a:t>
-            </a:r>
-          </a:p>
-          <a:p>
-            <a:r>
-              <a:rPr lang="en-US" dirty="0"/>
-              <a:t>Easily test with Postman (</a:t>
-            </a:r>
-            <a:r>
-              <a:rPr lang="en-US" dirty="0">
-                <a:hlinkClick r:id="rId2"/>
-              </a:rPr>
-              <a:t>https://getpostman.com</a:t>
-            </a:r>
-            <a:r>
-              <a:rPr lang="en-US" dirty="0"/>
-              <a:t>)</a:t>
-            </a:r>
-          </a:p>
-          <a:p>
-            <a:r>
-              <a:rPr lang="en-US" dirty="0"/>
-              <a:t>Cannot do other actions, just send and forget</a:t>
-            </a:r>
-          </a:p>
-          <a:p>
-            <a:r>
-              <a:rPr lang="en-US" dirty="0"/>
-              <a:t>Cannot update posted message</a:t>
-            </a:r>
-          </a:p>
-          <a:p>
-            <a:r>
-              <a:rPr lang="en-US" dirty="0"/>
-              <a:t>No developer needed (on Teams side)</a:t>
-            </a:r>
-          </a:p>
-        </p:txBody>
-      </p:sp>
-      <p:sp>
-        <p:nvSpPr>
-          <p:cNvPr id="7" name="TextBox 6">
-            <a:extLst>
-              <a:ext uri="{FF2B5EF4-FFF2-40B4-BE49-F238E27FC236}">
-                <a16:creationId xmlns:a16="http://schemas.microsoft.com/office/drawing/2014/main" id="{5670A3F9-4518-4F06-8C65-9F33C3A50EA3}"/>
-              </a:ext>
-            </a:extLst>
-          </p:cNvPr>
-          <p:cNvSpPr txBox="1"/>
-          <p:nvPr/>
-        </p:nvSpPr>
-        <p:spPr>
-          <a:xfrm>
-            <a:off x="0" y="6211669"/>
-            <a:ext cx="12098740" cy="646331"/>
-          </a:xfrm>
-          <a:prstGeom prst="rect">
-            <a:avLst/>
-          </a:prstGeom>
-          <a:noFill/>
-        </p:spPr>
-        <p:txBody>
-          <a:bodyPr wrap="square">
-            <a:spAutoFit/>
-          </a:bodyPr>
-          <a:lstStyle/>
-          <a:p>
-            <a:r>
-              <a:rPr lang="en-US" dirty="0">
-                <a:hlinkClick r:id="rId3"/>
-              </a:rPr>
-              <a:t>https://docs.microsoft.com/en-us/microsoftteams/platform/webhooks-and-connectors/how-to/add-incoming-webhook</a:t>
-            </a:r>
-            <a:endParaRPr lang="en-US" dirty="0"/>
-          </a:p>
-          <a:p>
-            <a:r>
-              <a:rPr lang="en-US" dirty="0">
-                <a:hlinkClick r:id="rId4"/>
-              </a:rPr>
-              <a:t>https://github.com/cdbuzzell/TeamsPriorityIncidentResponse/blob/master/Crawl.md</a:t>
-            </a:r>
-            <a:r>
-              <a:rPr lang="en-US" dirty="0"/>
-              <a:t> </a:t>
+              <a:t>Incoming webhook</a:t>
             </a:r>
           </a:p>
         </p:txBody>
       </p:sp>
       <p:pic>
         <p:nvPicPr>
-          <p:cNvPr id="4" name="Graphic 3" descr="Baby crawling with solid fill">
+          <p:cNvPr id="5" name="Graphic 4" descr="Baby crawling with solid fill">
             <a:extLst>
               <a:ext uri="{FF2B5EF4-FFF2-40B4-BE49-F238E27FC236}">
-                <a16:creationId xmlns:a16="http://schemas.microsoft.com/office/drawing/2014/main" id="{D483453E-4A51-49B6-81B1-880867538DD0}"/>
+                <a16:creationId xmlns:a16="http://schemas.microsoft.com/office/drawing/2014/main" id="{25F37018-2FD1-4C38-A2D5-37EAB52760A3}"/>
               </a:ext>
             </a:extLst>
           </p:cNvPr>
@@ -25593,10 +26682,10 @@
           <p:nvPr/>
         </p:nvPicPr>
         <p:blipFill>
-          <a:blip r:embed="rId5">
+          <a:blip r:embed="rId2">
             <a:extLst>
               <a:ext uri="{96DAC541-7B7A-43D3-8B79-37D633B846F1}">
-                <asvg:svgBlip xmlns:asvg="http://schemas.microsoft.com/office/drawing/2016/SVG/main" r:embed="rId6"/>
+                <asvg:svgBlip xmlns:asvg="http://schemas.microsoft.com/office/drawing/2016/SVG/main" r:embed="rId3"/>
               </a:ext>
             </a:extLst>
           </a:blip>
@@ -25617,16 +26706,25 @@
     </p:spTree>
     <p:extLst>
       <p:ext uri="{BB962C8B-B14F-4D97-AF65-F5344CB8AC3E}">
-        <p14:creationId xmlns:p14="http://schemas.microsoft.com/office/powerpoint/2010/main" val="3761299721"/>
+        <p14:creationId xmlns:p14="http://schemas.microsoft.com/office/powerpoint/2010/main" val="2272927060"/>
       </p:ext>
     </p:extLst>
   </p:cSld>
   <p:clrMapOvr>
     <a:masterClrMapping/>
   </p:clrMapOvr>
-  <p:transition>
-    <p:fade/>
-  </p:transition>
+  <mc:AlternateContent xmlns:mc="http://schemas.openxmlformats.org/markup-compatibility/2006" xmlns:p14="http://schemas.microsoft.com/office/powerpoint/2010/main">
+    <mc:Choice Requires="p14">
+      <p:transition spd="med" p14:dur="700">
+        <p:fade/>
+      </p:transition>
+    </mc:Choice>
+    <mc:Fallback xmlns="">
+      <p:transition spd="med">
+        <p:fade/>
+      </p:transition>
+    </mc:Fallback>
+  </mc:AlternateContent>
 </p:sld>
 </file>
 
@@ -26765,15 +27863,6 @@
 </file>
 
 <file path=customXml/item1.xml><?xml version="1.0" encoding="utf-8"?>
-<?mso-contentType ?>
-<FormTemplates xmlns="http://schemas.microsoft.com/sharepoint/v3/contenttype/forms">
-  <Display>DocumentLibraryForm</Display>
-  <Edit>DocumentLibraryForm</Edit>
-  <New>DocumentLibraryForm</New>
-</FormTemplates>
-</file>
-
-<file path=customXml/item2.xml><?xml version="1.0" encoding="utf-8"?>
 <ct:contentTypeSchema xmlns:ct="http://schemas.microsoft.com/office/2006/metadata/contentType" xmlns:ma="http://schemas.microsoft.com/office/2006/metadata/properties/metaAttributes" ct:_="" ma:_="" ma:contentTypeName="Document" ma:contentTypeID="0x010100BD9FAF4CD5AD2F4B99B5B2414089ABF7" ma:contentTypeVersion="16" ma:contentTypeDescription="Create a new document." ma:contentTypeScope="" ma:versionID="24b7a44f49c7f8d524d04c695baedf53">
   <xsd:schema xmlns:xsd="http://www.w3.org/2001/XMLSchema" xmlns:xs="http://www.w3.org/2001/XMLSchema" xmlns:p="http://schemas.microsoft.com/office/2006/metadata/properties" xmlns:ns1="http://schemas.microsoft.com/sharepoint/v3" xmlns:ns2="dcf5ddc1-fb1d-440f-849a-6450bddbaed7" xmlns:ns3="965de625-df5b-42e9-a277-2113da4f1195" targetNamespace="http://schemas.microsoft.com/office/2006/metadata/properties" ma:root="true" ma:fieldsID="e46491ab598b4ca7c34f6e01f1cb89ea" ns1:_="" ns2:_="" ns3:_="">
     <xsd:import namespace="http://schemas.microsoft.com/sharepoint/v3"/>
@@ -27021,6 +28110,15 @@
 </ct:contentTypeSchema>
 </file>
 
+<file path=customXml/item2.xml><?xml version="1.0" encoding="utf-8"?>
+<?mso-contentType ?>
+<FormTemplates xmlns="http://schemas.microsoft.com/sharepoint/v3/contenttype/forms">
+  <Display>DocumentLibraryForm</Display>
+  <Edit>DocumentLibraryForm</Edit>
+  <New>DocumentLibraryForm</New>
+</FormTemplates>
+</file>
+
 <file path=customXml/item3.xml><?xml version="1.0" encoding="utf-8"?>
 <p:properties xmlns:p="http://schemas.microsoft.com/office/2006/metadata/properties" xmlns:xsi="http://www.w3.org/2001/XMLSchema-instance" xmlns:pc="http://schemas.microsoft.com/office/infopath/2007/PartnerControls">
   <documentManagement>
@@ -27032,14 +28130,6 @@
 </file>
 
 <file path=customXml/itemProps1.xml><?xml version="1.0" encoding="utf-8"?>
-<ds:datastoreItem xmlns:ds="http://schemas.openxmlformats.org/officeDocument/2006/customXml" ds:itemID="{758FDAC0-319D-4A54-8D8E-1D42CB1F8004}">
-  <ds:schemaRefs>
-    <ds:schemaRef ds:uri="http://schemas.microsoft.com/sharepoint/v3/contenttype/forms"/>
-  </ds:schemaRefs>
-</ds:datastoreItem>
-</file>
-
-<file path=customXml/itemProps2.xml><?xml version="1.0" encoding="utf-8"?>
 <ds:datastoreItem xmlns:ds="http://schemas.openxmlformats.org/officeDocument/2006/customXml" ds:itemID="{13D1D262-8086-483E-8AEE-327E7944ECC8}">
   <ds:schemaRefs>
     <ds:schemaRef ds:uri="http://schemas.microsoft.com/office/2006/metadata/contentType"/>
@@ -27059,6 +28149,14 @@
 </ds:datastoreItem>
 </file>
 
+<file path=customXml/itemProps2.xml><?xml version="1.0" encoding="utf-8"?>
+<ds:datastoreItem xmlns:ds="http://schemas.openxmlformats.org/officeDocument/2006/customXml" ds:itemID="{758FDAC0-319D-4A54-8D8E-1D42CB1F8004}">
+  <ds:schemaRefs>
+    <ds:schemaRef ds:uri="http://schemas.microsoft.com/sharepoint/v3/contenttype/forms"/>
+  </ds:schemaRefs>
+</ds:datastoreItem>
+</file>
+
 <file path=customXml/itemProps3.xml><?xml version="1.0" encoding="utf-8"?>
 <ds:datastoreItem xmlns:ds="http://schemas.openxmlformats.org/officeDocument/2006/customXml" ds:itemID="{F990F116-B58F-4255-B05B-DA3808E0E5C6}">
   <ds:schemaRefs>
